--- a/Slides/2_Representacion&Conversiones.pptx
+++ b/Slides/2_Representacion&Conversiones.pptx
@@ -5,7 +5,7 @@
     <p:sldMasterId id="2147483672" r:id="rId1"/>
   </p:sldMasterIdLst>
   <p:notesMasterIdLst>
-    <p:notesMasterId r:id="rId33"/>
+    <p:notesMasterId r:id="rId37"/>
   </p:notesMasterIdLst>
   <p:sldIdLst>
     <p:sldId id="257" r:id="rId2"/>
@@ -24,21 +24,25 @@
     <p:sldId id="434" r:id="rId15"/>
     <p:sldId id="438" r:id="rId16"/>
     <p:sldId id="433" r:id="rId17"/>
-    <p:sldId id="435" r:id="rId18"/>
-    <p:sldId id="436" r:id="rId19"/>
-    <p:sldId id="441" r:id="rId20"/>
-    <p:sldId id="442" r:id="rId21"/>
-    <p:sldId id="443" r:id="rId22"/>
-    <p:sldId id="451" r:id="rId23"/>
-    <p:sldId id="456" r:id="rId24"/>
-    <p:sldId id="452" r:id="rId25"/>
-    <p:sldId id="453" r:id="rId26"/>
-    <p:sldId id="454" r:id="rId27"/>
-    <p:sldId id="455" r:id="rId28"/>
-    <p:sldId id="448" r:id="rId29"/>
-    <p:sldId id="450" r:id="rId30"/>
-    <p:sldId id="359" r:id="rId31"/>
-    <p:sldId id="358" r:id="rId32"/>
+    <p:sldId id="460" r:id="rId18"/>
+    <p:sldId id="457" r:id="rId19"/>
+    <p:sldId id="458" r:id="rId20"/>
+    <p:sldId id="459" r:id="rId21"/>
+    <p:sldId id="435" r:id="rId22"/>
+    <p:sldId id="436" r:id="rId23"/>
+    <p:sldId id="441" r:id="rId24"/>
+    <p:sldId id="442" r:id="rId25"/>
+    <p:sldId id="443" r:id="rId26"/>
+    <p:sldId id="451" r:id="rId27"/>
+    <p:sldId id="456" r:id="rId28"/>
+    <p:sldId id="452" r:id="rId29"/>
+    <p:sldId id="453" r:id="rId30"/>
+    <p:sldId id="454" r:id="rId31"/>
+    <p:sldId id="455" r:id="rId32"/>
+    <p:sldId id="448" r:id="rId33"/>
+    <p:sldId id="450" r:id="rId34"/>
+    <p:sldId id="359" r:id="rId35"/>
+    <p:sldId id="358" r:id="rId36"/>
   </p:sldIdLst>
   <p:sldSz cx="13817600" cy="7772400"/>
   <p:notesSz cx="6858000" cy="9144000"/>
@@ -156,8 +160,206 @@
 </p:presentation>
 </file>
 
-<file path=ppt/revisionInfo.xml><?xml version="1.0" encoding="utf-8"?>
-<p1510:revInfo xmlns:a="http://schemas.openxmlformats.org/drawingml/2006/main" xmlns:r="http://schemas.openxmlformats.org/officeDocument/2006/relationships" xmlns:p1510="http://schemas.microsoft.com/office/powerpoint/2015/10/main"/>
+<file path=ppt/changesInfos/changesInfo1.xml><?xml version="1.0" encoding="utf-8"?>
+<pc:chgInfo xmlns:a="http://schemas.openxmlformats.org/drawingml/2006/main" xmlns:r="http://schemas.openxmlformats.org/officeDocument/2006/relationships" xmlns:ac="http://schemas.microsoft.com/office/drawing/2013/main/command" xmlns:pc="http://schemas.microsoft.com/office/powerpoint/2013/main/command">
+  <pc:docChgLst>
+    <pc:chgData name="Cesar Augusto Lopez Gallego" userId="0dfa9112-9251-4882-b472-cf2dfcee09d1" providerId="ADAL" clId="{74C739C4-1830-4E7C-BE2C-C2F25CB419B0}"/>
+    <pc:docChg chg="undo custSel addSld modSld">
+      <pc:chgData name="Cesar Augusto Lopez Gallego" userId="0dfa9112-9251-4882-b472-cf2dfcee09d1" providerId="ADAL" clId="{74C739C4-1830-4E7C-BE2C-C2F25CB419B0}" dt="2025-07-19T12:22:50.342" v="761" actId="1076"/>
+      <pc:docMkLst>
+        <pc:docMk/>
+      </pc:docMkLst>
+      <pc:sldChg chg="addSp delSp modSp new mod">
+        <pc:chgData name="Cesar Augusto Lopez Gallego" userId="0dfa9112-9251-4882-b472-cf2dfcee09d1" providerId="ADAL" clId="{74C739C4-1830-4E7C-BE2C-C2F25CB419B0}" dt="2025-07-19T12:10:43.336" v="465" actId="20577"/>
+        <pc:sldMkLst>
+          <pc:docMk/>
+          <pc:sldMk cId="3521019429" sldId="457"/>
+        </pc:sldMkLst>
+        <pc:spChg chg="mod">
+          <ac:chgData name="Cesar Augusto Lopez Gallego" userId="0dfa9112-9251-4882-b472-cf2dfcee09d1" providerId="ADAL" clId="{74C739C4-1830-4E7C-BE2C-C2F25CB419B0}" dt="2025-07-19T11:57:04.612" v="65" actId="403"/>
+          <ac:spMkLst>
+            <pc:docMk/>
+            <pc:sldMk cId="3521019429" sldId="457"/>
+            <ac:spMk id="2" creationId="{94D97F5D-D37D-42DD-9875-610887AB7853}"/>
+          </ac:spMkLst>
+        </pc:spChg>
+        <pc:spChg chg="add del mod">
+          <ac:chgData name="Cesar Augusto Lopez Gallego" userId="0dfa9112-9251-4882-b472-cf2dfcee09d1" providerId="ADAL" clId="{74C739C4-1830-4E7C-BE2C-C2F25CB419B0}" dt="2025-07-19T11:57:58.975" v="92" actId="478"/>
+          <ac:spMkLst>
+            <pc:docMk/>
+            <pc:sldMk cId="3521019429" sldId="457"/>
+            <ac:spMk id="3" creationId="{9A398C11-6A97-4E7F-BF08-3E29AE9D5E34}"/>
+          </ac:spMkLst>
+        </pc:spChg>
+        <pc:spChg chg="add mod">
+          <ac:chgData name="Cesar Augusto Lopez Gallego" userId="0dfa9112-9251-4882-b472-cf2dfcee09d1" providerId="ADAL" clId="{74C739C4-1830-4E7C-BE2C-C2F25CB419B0}" dt="2025-07-19T12:09:53.583" v="360" actId="14100"/>
+          <ac:spMkLst>
+            <pc:docMk/>
+            <pc:sldMk cId="3521019429" sldId="457"/>
+            <ac:spMk id="4" creationId="{B40C7C12-4877-4D3B-A0F1-052D500F5B69}"/>
+          </ac:spMkLst>
+        </pc:spChg>
+        <pc:spChg chg="add mod">
+          <ac:chgData name="Cesar Augusto Lopez Gallego" userId="0dfa9112-9251-4882-b472-cf2dfcee09d1" providerId="ADAL" clId="{74C739C4-1830-4E7C-BE2C-C2F25CB419B0}" dt="2025-07-19T12:09:49.364" v="359" actId="1076"/>
+          <ac:spMkLst>
+            <pc:docMk/>
+            <pc:sldMk cId="3521019429" sldId="457"/>
+            <ac:spMk id="6" creationId="{2CCFA170-838C-40B2-9244-B6C14241E30A}"/>
+          </ac:spMkLst>
+        </pc:spChg>
+        <pc:spChg chg="add mod">
+          <ac:chgData name="Cesar Augusto Lopez Gallego" userId="0dfa9112-9251-4882-b472-cf2dfcee09d1" providerId="ADAL" clId="{74C739C4-1830-4E7C-BE2C-C2F25CB419B0}" dt="2025-07-19T12:09:46.383" v="358" actId="1076"/>
+          <ac:spMkLst>
+            <pc:docMk/>
+            <pc:sldMk cId="3521019429" sldId="457"/>
+            <ac:spMk id="9" creationId="{4F37CFE1-503F-48FD-8466-CE77CE807DBC}"/>
+          </ac:spMkLst>
+        </pc:spChg>
+        <pc:spChg chg="add mod">
+          <ac:chgData name="Cesar Augusto Lopez Gallego" userId="0dfa9112-9251-4882-b472-cf2dfcee09d1" providerId="ADAL" clId="{74C739C4-1830-4E7C-BE2C-C2F25CB419B0}" dt="2025-07-19T12:10:43.336" v="465" actId="20577"/>
+          <ac:spMkLst>
+            <pc:docMk/>
+            <pc:sldMk cId="3521019429" sldId="457"/>
+            <ac:spMk id="10" creationId="{B659BDD7-15F0-4C2A-BBF3-5DD05E1DF4DE}"/>
+          </ac:spMkLst>
+        </pc:spChg>
+        <pc:graphicFrameChg chg="add mod modGraphic">
+          <ac:chgData name="Cesar Augusto Lopez Gallego" userId="0dfa9112-9251-4882-b472-cf2dfcee09d1" providerId="ADAL" clId="{74C739C4-1830-4E7C-BE2C-C2F25CB419B0}" dt="2025-07-19T12:09:46.383" v="358" actId="1076"/>
+          <ac:graphicFrameMkLst>
+            <pc:docMk/>
+            <pc:sldMk cId="3521019429" sldId="457"/>
+            <ac:graphicFrameMk id="5" creationId="{B8CFBB29-649F-4542-A4E8-7AED0A504B06}"/>
+          </ac:graphicFrameMkLst>
+        </pc:graphicFrameChg>
+        <pc:cxnChg chg="add mod">
+          <ac:chgData name="Cesar Augusto Lopez Gallego" userId="0dfa9112-9251-4882-b472-cf2dfcee09d1" providerId="ADAL" clId="{74C739C4-1830-4E7C-BE2C-C2F25CB419B0}" dt="2025-07-19T12:09:46.383" v="358" actId="1076"/>
+          <ac:cxnSpMkLst>
+            <pc:docMk/>
+            <pc:sldMk cId="3521019429" sldId="457"/>
+            <ac:cxnSpMk id="8" creationId="{1A9487FF-36D4-4FB1-90B8-50FF973C09A5}"/>
+          </ac:cxnSpMkLst>
+        </pc:cxnChg>
+      </pc:sldChg>
+      <pc:sldChg chg="addSp delSp modSp new mod">
+        <pc:chgData name="Cesar Augusto Lopez Gallego" userId="0dfa9112-9251-4882-b472-cf2dfcee09d1" providerId="ADAL" clId="{74C739C4-1830-4E7C-BE2C-C2F25CB419B0}" dt="2025-07-19T12:22:50.342" v="761" actId="1076"/>
+        <pc:sldMkLst>
+          <pc:docMk/>
+          <pc:sldMk cId="1496360105" sldId="458"/>
+        </pc:sldMkLst>
+        <pc:spChg chg="mod">
+          <ac:chgData name="Cesar Augusto Lopez Gallego" userId="0dfa9112-9251-4882-b472-cf2dfcee09d1" providerId="ADAL" clId="{74C739C4-1830-4E7C-BE2C-C2F25CB419B0}" dt="2025-07-19T12:11:00.680" v="467"/>
+          <ac:spMkLst>
+            <pc:docMk/>
+            <pc:sldMk cId="1496360105" sldId="458"/>
+            <ac:spMk id="2" creationId="{00069753-B98A-482C-B21A-89D6DA3E6DB8}"/>
+          </ac:spMkLst>
+        </pc:spChg>
+        <pc:spChg chg="add del">
+          <ac:chgData name="Cesar Augusto Lopez Gallego" userId="0dfa9112-9251-4882-b472-cf2dfcee09d1" providerId="ADAL" clId="{74C739C4-1830-4E7C-BE2C-C2F25CB419B0}" dt="2025-07-19T12:11:22.152" v="469" actId="22"/>
+          <ac:spMkLst>
+            <pc:docMk/>
+            <pc:sldMk cId="1496360105" sldId="458"/>
+            <ac:spMk id="4" creationId="{9F350451-F23A-48D8-A8C6-3FE0E9741E97}"/>
+          </ac:spMkLst>
+        </pc:spChg>
+        <pc:spChg chg="add mod">
+          <ac:chgData name="Cesar Augusto Lopez Gallego" userId="0dfa9112-9251-4882-b472-cf2dfcee09d1" providerId="ADAL" clId="{74C739C4-1830-4E7C-BE2C-C2F25CB419B0}" dt="2025-07-19T12:22:50.342" v="761" actId="1076"/>
+          <ac:spMkLst>
+            <pc:docMk/>
+            <pc:sldMk cId="1496360105" sldId="458"/>
+            <ac:spMk id="5" creationId="{38B4559C-396A-4796-B173-8D1857A7FDEC}"/>
+          </ac:spMkLst>
+        </pc:spChg>
+        <pc:spChg chg="add del mod">
+          <ac:chgData name="Cesar Augusto Lopez Gallego" userId="0dfa9112-9251-4882-b472-cf2dfcee09d1" providerId="ADAL" clId="{74C739C4-1830-4E7C-BE2C-C2F25CB419B0}" dt="2025-07-19T12:11:30.883" v="472"/>
+          <ac:spMkLst>
+            <pc:docMk/>
+            <pc:sldMk cId="1496360105" sldId="458"/>
+            <ac:spMk id="6" creationId="{F667190B-36E5-4286-A8F9-E5568009C3B3}"/>
+          </ac:spMkLst>
+        </pc:spChg>
+      </pc:sldChg>
+      <pc:sldChg chg="addSp delSp modSp new mod">
+        <pc:chgData name="Cesar Augusto Lopez Gallego" userId="0dfa9112-9251-4882-b472-cf2dfcee09d1" providerId="ADAL" clId="{74C739C4-1830-4E7C-BE2C-C2F25CB419B0}" dt="2025-07-19T12:22:43.792" v="760" actId="6549"/>
+        <pc:sldMkLst>
+          <pc:docMk/>
+          <pc:sldMk cId="1368047995" sldId="459"/>
+        </pc:sldMkLst>
+        <pc:spChg chg="mod">
+          <ac:chgData name="Cesar Augusto Lopez Gallego" userId="0dfa9112-9251-4882-b472-cf2dfcee09d1" providerId="ADAL" clId="{74C739C4-1830-4E7C-BE2C-C2F25CB419B0}" dt="2025-07-19T12:21:39.353" v="746" actId="20577"/>
+          <ac:spMkLst>
+            <pc:docMk/>
+            <pc:sldMk cId="1368047995" sldId="459"/>
+            <ac:spMk id="2" creationId="{3B3CDD13-B2A3-4FFA-A1BC-418E0EF5FED5}"/>
+          </ac:spMkLst>
+        </pc:spChg>
+        <pc:spChg chg="add del mod">
+          <ac:chgData name="Cesar Augusto Lopez Gallego" userId="0dfa9112-9251-4882-b472-cf2dfcee09d1" providerId="ADAL" clId="{74C739C4-1830-4E7C-BE2C-C2F25CB419B0}" dt="2025-07-19T12:22:17.445" v="749" actId="478"/>
+          <ac:spMkLst>
+            <pc:docMk/>
+            <pc:sldMk cId="1368047995" sldId="459"/>
+            <ac:spMk id="3" creationId="{7FFBB827-0564-4F79-A734-0AF6495D1609}"/>
+          </ac:spMkLst>
+        </pc:spChg>
+        <pc:spChg chg="add del mod">
+          <ac:chgData name="Cesar Augusto Lopez Gallego" userId="0dfa9112-9251-4882-b472-cf2dfcee09d1" providerId="ADAL" clId="{74C739C4-1830-4E7C-BE2C-C2F25CB419B0}" dt="2025-07-19T12:22:17.445" v="749" actId="478"/>
+          <ac:spMkLst>
+            <pc:docMk/>
+            <pc:sldMk cId="1368047995" sldId="459"/>
+            <ac:spMk id="4" creationId="{D3504ADC-EF69-4D74-9BF3-2665CDE7DCE2}"/>
+          </ac:spMkLst>
+        </pc:spChg>
+        <pc:spChg chg="add del mod">
+          <ac:chgData name="Cesar Augusto Lopez Gallego" userId="0dfa9112-9251-4882-b472-cf2dfcee09d1" providerId="ADAL" clId="{74C739C4-1830-4E7C-BE2C-C2F25CB419B0}" dt="2025-07-19T12:22:17.445" v="749" actId="478"/>
+          <ac:spMkLst>
+            <pc:docMk/>
+            <pc:sldMk cId="1368047995" sldId="459"/>
+            <ac:spMk id="5" creationId="{87949542-364B-419F-A853-46D36148959F}"/>
+          </ac:spMkLst>
+        </pc:spChg>
+        <pc:spChg chg="add mod">
+          <ac:chgData name="Cesar Augusto Lopez Gallego" userId="0dfa9112-9251-4882-b472-cf2dfcee09d1" providerId="ADAL" clId="{74C739C4-1830-4E7C-BE2C-C2F25CB419B0}" dt="2025-07-19T12:22:43.792" v="760" actId="6549"/>
+          <ac:spMkLst>
+            <pc:docMk/>
+            <pc:sldMk cId="1368047995" sldId="459"/>
+            <ac:spMk id="7" creationId="{9FFF7D3F-3020-4C5E-8D55-B1934B178870}"/>
+          </ac:spMkLst>
+        </pc:spChg>
+      </pc:sldChg>
+      <pc:sldChg chg="addSp delSp modSp new mod">
+        <pc:chgData name="Cesar Augusto Lopez Gallego" userId="0dfa9112-9251-4882-b472-cf2dfcee09d1" providerId="ADAL" clId="{74C739C4-1830-4E7C-BE2C-C2F25CB419B0}" dt="2025-07-19T12:21:22.905" v="744" actId="404"/>
+        <pc:sldMkLst>
+          <pc:docMk/>
+          <pc:sldMk cId="3636047780" sldId="460"/>
+        </pc:sldMkLst>
+        <pc:spChg chg="mod">
+          <ac:chgData name="Cesar Augusto Lopez Gallego" userId="0dfa9112-9251-4882-b472-cf2dfcee09d1" providerId="ADAL" clId="{74C739C4-1830-4E7C-BE2C-C2F25CB419B0}" dt="2025-07-19T12:20:17.685" v="729" actId="1076"/>
+          <ac:spMkLst>
+            <pc:docMk/>
+            <pc:sldMk cId="3636047780" sldId="460"/>
+            <ac:spMk id="2" creationId="{E3AD2889-ADBA-4C1B-BC4C-1BA88B264C14}"/>
+          </ac:spMkLst>
+        </pc:spChg>
+        <pc:spChg chg="add del mod">
+          <ac:chgData name="Cesar Augusto Lopez Gallego" userId="0dfa9112-9251-4882-b472-cf2dfcee09d1" providerId="ADAL" clId="{74C739C4-1830-4E7C-BE2C-C2F25CB419B0}" dt="2025-07-19T12:21:22.905" v="744" actId="404"/>
+          <ac:spMkLst>
+            <pc:docMk/>
+            <pc:sldMk cId="3636047780" sldId="460"/>
+            <ac:spMk id="4" creationId="{C15836C7-10CE-4C3D-ADEF-374D9C03C0A6}"/>
+          </ac:spMkLst>
+        </pc:spChg>
+        <pc:spChg chg="add mod">
+          <ac:chgData name="Cesar Augusto Lopez Gallego" userId="0dfa9112-9251-4882-b472-cf2dfcee09d1" providerId="ADAL" clId="{74C739C4-1830-4E7C-BE2C-C2F25CB419B0}" dt="2025-07-19T12:21:18.102" v="742" actId="403"/>
+          <ac:spMkLst>
+            <pc:docMk/>
+            <pc:sldMk cId="3636047780" sldId="460"/>
+            <ac:spMk id="6" creationId="{5E33B56E-3D84-4CC2-BABC-9D9C73A8C819}"/>
+          </ac:spMkLst>
+        </pc:spChg>
+      </pc:sldChg>
+    </pc:docChg>
+  </pc:docChgLst>
+</pc:chgInfo>
 </file>
 
 <file path=ppt/notesMasters/notesMaster1.xml><?xml version="1.0" encoding="utf-8"?>
@@ -242,7 +444,7 @@
           <a:p>
             <a:fld id="{BDCF4082-7146-476A-B590-4447682ABE83}" type="datetimeFigureOut">
               <a:rPr lang="es-CO" smtClean="0"/>
-              <a:t>28/02/2018</a:t>
+              <a:t>19/07/2025</a:t>
             </a:fld>
             <a:endParaRPr lang="es-CO"/>
           </a:p>
@@ -721,7 +923,7 @@
             <a:fld id="{798CDE4E-CAB3-4473-ABEA-14F11963974E}" type="slidenum">
               <a:rPr lang="en-US" smtClean="0"/>
               <a:pPr/>
-              <a:t>21</a:t>
+              <a:t>25</a:t>
             </a:fld>
             <a:endParaRPr lang="en-US"/>
           </a:p>
@@ -818,7 +1020,7 @@
             <a:fld id="{798CDE4E-CAB3-4473-ABEA-14F11963974E}" type="slidenum">
               <a:rPr lang="en-US" smtClean="0"/>
               <a:pPr/>
-              <a:t>23</a:t>
+              <a:t>27</a:t>
             </a:fld>
             <a:endParaRPr lang="en-US"/>
           </a:p>
@@ -1003,7 +1205,7 @@
             <a:fld id="{798CDE4E-CAB3-4473-ABEA-14F11963974E}" type="slidenum">
               <a:rPr lang="en-US" smtClean="0"/>
               <a:pPr/>
-              <a:t>24</a:t>
+              <a:t>28</a:t>
             </a:fld>
             <a:endParaRPr lang="en-US"/>
           </a:p>
@@ -1163,7 +1365,7 @@
             <a:fld id="{798CDE4E-CAB3-4473-ABEA-14F11963974E}" type="slidenum">
               <a:rPr lang="en-US" smtClean="0"/>
               <a:pPr/>
-              <a:t>25</a:t>
+              <a:t>29</a:t>
             </a:fld>
             <a:endParaRPr lang="en-US"/>
           </a:p>
@@ -1254,7 +1456,7 @@
             <a:fld id="{798CDE4E-CAB3-4473-ABEA-14F11963974E}" type="slidenum">
               <a:rPr lang="en-US" smtClean="0"/>
               <a:pPr/>
-              <a:t>28</a:t>
+              <a:t>32</a:t>
             </a:fld>
             <a:endParaRPr lang="en-US"/>
           </a:p>
@@ -1365,7 +1567,7 @@
             <a:fld id="{798CDE4E-CAB3-4473-ABEA-14F11963974E}" type="slidenum">
               <a:rPr lang="en-US" smtClean="0"/>
               <a:pPr/>
-              <a:t>29</a:t>
+              <a:t>33</a:t>
             </a:fld>
             <a:endParaRPr lang="en-US"/>
           </a:p>
@@ -1515,7 +1717,7 @@
           <a:p>
             <a:fld id="{6B86245D-015E-46AE-96CC-32E8A5E9A1DF}" type="datetimeFigureOut">
               <a:rPr lang="es-CO" smtClean="0"/>
-              <a:t>28/02/2018</a:t>
+              <a:t>19/07/2025</a:t>
             </a:fld>
             <a:endParaRPr lang="es-CO"/>
           </a:p>
@@ -1685,7 +1887,7 @@
           <a:p>
             <a:fld id="{6B86245D-015E-46AE-96CC-32E8A5E9A1DF}" type="datetimeFigureOut">
               <a:rPr lang="es-CO" smtClean="0"/>
-              <a:t>28/02/2018</a:t>
+              <a:t>19/07/2025</a:t>
             </a:fld>
             <a:endParaRPr lang="es-CO"/>
           </a:p>
@@ -1865,7 +2067,7 @@
           <a:p>
             <a:fld id="{6B86245D-015E-46AE-96CC-32E8A5E9A1DF}" type="datetimeFigureOut">
               <a:rPr lang="es-CO" smtClean="0"/>
-              <a:t>28/02/2018</a:t>
+              <a:t>19/07/2025</a:t>
             </a:fld>
             <a:endParaRPr lang="es-CO"/>
           </a:p>
@@ -2035,7 +2237,7 @@
           <a:p>
             <a:fld id="{6B86245D-015E-46AE-96CC-32E8A5E9A1DF}" type="datetimeFigureOut">
               <a:rPr lang="es-CO" smtClean="0"/>
-              <a:t>28/02/2018</a:t>
+              <a:t>19/07/2025</a:t>
             </a:fld>
             <a:endParaRPr lang="es-CO"/>
           </a:p>
@@ -2281,7 +2483,7 @@
           <a:p>
             <a:fld id="{6B86245D-015E-46AE-96CC-32E8A5E9A1DF}" type="datetimeFigureOut">
               <a:rPr lang="es-CO" smtClean="0"/>
-              <a:t>28/02/2018</a:t>
+              <a:t>19/07/2025</a:t>
             </a:fld>
             <a:endParaRPr lang="es-CO"/>
           </a:p>
@@ -2513,7 +2715,7 @@
           <a:p>
             <a:fld id="{6B86245D-015E-46AE-96CC-32E8A5E9A1DF}" type="datetimeFigureOut">
               <a:rPr lang="es-CO" smtClean="0"/>
-              <a:t>28/02/2018</a:t>
+              <a:t>19/07/2025</a:t>
             </a:fld>
             <a:endParaRPr lang="es-CO"/>
           </a:p>
@@ -2880,7 +3082,7 @@
           <a:p>
             <a:fld id="{6B86245D-015E-46AE-96CC-32E8A5E9A1DF}" type="datetimeFigureOut">
               <a:rPr lang="es-CO" smtClean="0"/>
-              <a:t>28/02/2018</a:t>
+              <a:t>19/07/2025</a:t>
             </a:fld>
             <a:endParaRPr lang="es-CO"/>
           </a:p>
@@ -2998,7 +3200,7 @@
           <a:p>
             <a:fld id="{6B86245D-015E-46AE-96CC-32E8A5E9A1DF}" type="datetimeFigureOut">
               <a:rPr lang="es-CO" smtClean="0"/>
-              <a:t>28/02/2018</a:t>
+              <a:t>19/07/2025</a:t>
             </a:fld>
             <a:endParaRPr lang="es-CO"/>
           </a:p>
@@ -3093,7 +3295,7 @@
           <a:p>
             <a:fld id="{6B86245D-015E-46AE-96CC-32E8A5E9A1DF}" type="datetimeFigureOut">
               <a:rPr lang="es-CO" smtClean="0"/>
-              <a:t>28/02/2018</a:t>
+              <a:t>19/07/2025</a:t>
             </a:fld>
             <a:endParaRPr lang="es-CO"/>
           </a:p>
@@ -3370,7 +3572,7 @@
           <a:p>
             <a:fld id="{6B86245D-015E-46AE-96CC-32E8A5E9A1DF}" type="datetimeFigureOut">
               <a:rPr lang="es-CO" smtClean="0"/>
-              <a:t>28/02/2018</a:t>
+              <a:t>19/07/2025</a:t>
             </a:fld>
             <a:endParaRPr lang="es-CO"/>
           </a:p>
@@ -3627,7 +3829,7 @@
           <a:p>
             <a:fld id="{6B86245D-015E-46AE-96CC-32E8A5E9A1DF}" type="datetimeFigureOut">
               <a:rPr lang="es-CO" smtClean="0"/>
-              <a:t>28/02/2018</a:t>
+              <a:t>19/07/2025</a:t>
             </a:fld>
             <a:endParaRPr lang="es-CO"/>
           </a:p>
@@ -3849,7 +4051,7 @@
           <a:p>
             <a:fld id="{6B86245D-015E-46AE-96CC-32E8A5E9A1DF}" type="datetimeFigureOut">
               <a:rPr lang="es-CO" smtClean="0"/>
-              <a:t>28/02/2018</a:t>
+              <a:t>19/07/2025</a:t>
             </a:fld>
             <a:endParaRPr lang="es-CO"/>
           </a:p>
@@ -7300,6 +7502,1977 @@
       </p:grpSpPr>
       <p:sp>
         <p:nvSpPr>
+          <p:cNvPr id="2" name="Título 1">
+            <a:extLst>
+              <a:ext uri="{FF2B5EF4-FFF2-40B4-BE49-F238E27FC236}">
+                <a16:creationId xmlns:a16="http://schemas.microsoft.com/office/drawing/2014/main" id="{E3AD2889-ADBA-4C1B-BC4C-1BA88B264C14}"/>
+              </a:ext>
+            </a:extLst>
+          </p:cNvPr>
+          <p:cNvSpPr>
+            <a:spLocks noGrp="1"/>
+          </p:cNvSpPr>
+          <p:nvPr>
+            <p:ph type="title"/>
+          </p:nvPr>
+        </p:nvSpPr>
+        <p:spPr>
+          <a:xfrm>
+            <a:off x="405949" y="321212"/>
+            <a:ext cx="11917680" cy="1502305"/>
+          </a:xfrm>
+        </p:spPr>
+        <p:txBody>
+          <a:bodyPr/>
+          <a:lstStyle/>
+          <a:p>
+            <a:r>
+              <a:rPr lang="es-ES" dirty="0"/>
+              <a:t>Ejercicio en Clase 1ª Parte</a:t>
+            </a:r>
+            <a:endParaRPr lang="es-419" dirty="0"/>
+          </a:p>
+        </p:txBody>
+      </p:sp>
+      <p:sp>
+        <p:nvSpPr>
+          <p:cNvPr id="4" name="CuadroTexto 3">
+            <a:extLst>
+              <a:ext uri="{FF2B5EF4-FFF2-40B4-BE49-F238E27FC236}">
+                <a16:creationId xmlns:a16="http://schemas.microsoft.com/office/drawing/2014/main" id="{C15836C7-10CE-4C3D-ADEF-374D9C03C0A6}"/>
+              </a:ext>
+            </a:extLst>
+          </p:cNvPr>
+          <p:cNvSpPr txBox="1"/>
+          <p:nvPr/>
+        </p:nvSpPr>
+        <p:spPr>
+          <a:xfrm>
+            <a:off x="601181" y="2240205"/>
+            <a:ext cx="4954668" cy="4401205"/>
+          </a:xfrm>
+          <a:prstGeom prst="rect">
+            <a:avLst/>
+          </a:prstGeom>
+          <a:noFill/>
+        </p:spPr>
+        <p:txBody>
+          <a:bodyPr wrap="square">
+            <a:spAutoFit/>
+          </a:bodyPr>
+          <a:lstStyle/>
+          <a:p>
+            <a:r>
+              <a:rPr lang="es-419" sz="2000" dirty="0"/>
+              <a:t>🔢 1. Conversión binario → decimal → hexadecimal   Convierte el número binario 1011011₂ a:</a:t>
+            </a:r>
+          </a:p>
+          <a:p>
+            <a:endParaRPr lang="es-419" sz="2000" dirty="0"/>
+          </a:p>
+          <a:p>
+            <a:pPr marL="342900" indent="-342900">
+              <a:buAutoNum type="alphaLcParenR"/>
+            </a:pPr>
+            <a:r>
+              <a:rPr lang="es-419" sz="2000" dirty="0"/>
+              <a:t>Decimal</a:t>
+            </a:r>
+          </a:p>
+          <a:p>
+            <a:pPr marL="342900" indent="-342900">
+              <a:buAutoNum type="alphaLcParenR"/>
+            </a:pPr>
+            <a:r>
+              <a:rPr lang="es-419" sz="2000" dirty="0"/>
+              <a:t>b) Hexadecimal</a:t>
+            </a:r>
+          </a:p>
+          <a:p>
+            <a:endParaRPr lang="es-419" sz="2000" dirty="0"/>
+          </a:p>
+          <a:p>
+            <a:r>
+              <a:rPr lang="es-419" sz="2000" dirty="0"/>
+              <a:t>🔢 2. Conversión decimal → binario → octal  Convierte el número decimal 245₁₀ a:</a:t>
+            </a:r>
+          </a:p>
+          <a:p>
+            <a:endParaRPr lang="es-419" sz="2000" dirty="0"/>
+          </a:p>
+          <a:p>
+            <a:pPr marL="342900" indent="-342900">
+              <a:buAutoNum type="alphaLcParenR"/>
+            </a:pPr>
+            <a:r>
+              <a:rPr lang="es-419" sz="2000" dirty="0"/>
+              <a:t>Binario</a:t>
+            </a:r>
+          </a:p>
+          <a:p>
+            <a:pPr marL="342900" indent="-342900">
+              <a:buAutoNum type="alphaLcParenR"/>
+            </a:pPr>
+            <a:r>
+              <a:rPr lang="es-419" sz="2000" dirty="0"/>
+              <a:t>Octal</a:t>
+            </a:r>
+          </a:p>
+          <a:p>
+            <a:endParaRPr lang="es-419" sz="2000" dirty="0"/>
+          </a:p>
+          <a:p>
+            <a:endParaRPr lang="es-419" sz="2000" dirty="0"/>
+          </a:p>
+        </p:txBody>
+      </p:sp>
+      <p:sp>
+        <p:nvSpPr>
+          <p:cNvPr id="6" name="CuadroTexto 5">
+            <a:extLst>
+              <a:ext uri="{FF2B5EF4-FFF2-40B4-BE49-F238E27FC236}">
+                <a16:creationId xmlns:a16="http://schemas.microsoft.com/office/drawing/2014/main" id="{5E33B56E-3D84-4CC2-BABC-9D9C73A8C819}"/>
+              </a:ext>
+            </a:extLst>
+          </p:cNvPr>
+          <p:cNvSpPr txBox="1"/>
+          <p:nvPr/>
+        </p:nvSpPr>
+        <p:spPr>
+          <a:xfrm>
+            <a:off x="6695954" y="2240205"/>
+            <a:ext cx="5480613" cy="3785652"/>
+          </a:xfrm>
+          <a:prstGeom prst="rect">
+            <a:avLst/>
+          </a:prstGeom>
+          <a:noFill/>
+        </p:spPr>
+        <p:txBody>
+          <a:bodyPr wrap="square">
+            <a:spAutoFit/>
+          </a:bodyPr>
+          <a:lstStyle/>
+          <a:p>
+            <a:r>
+              <a:rPr lang="es-419" sz="2000" dirty="0"/>
+              <a:t>🔢 3. Conversión hexadecimal → binario → decimal  Convierte el número hexadecimal 3F₁₆ a:</a:t>
+            </a:r>
+          </a:p>
+          <a:p>
+            <a:endParaRPr lang="es-419" sz="2000" dirty="0"/>
+          </a:p>
+          <a:p>
+            <a:pPr marL="342900" indent="-342900">
+              <a:buAutoNum type="alphaLcParenR"/>
+            </a:pPr>
+            <a:r>
+              <a:rPr lang="es-419" sz="2000" dirty="0"/>
+              <a:t>Binario</a:t>
+            </a:r>
+          </a:p>
+          <a:p>
+            <a:pPr marL="342900" indent="-342900">
+              <a:buAutoNum type="alphaLcParenR"/>
+            </a:pPr>
+            <a:r>
+              <a:rPr lang="es-419" sz="2000" dirty="0"/>
+              <a:t>Decimal</a:t>
+            </a:r>
+          </a:p>
+          <a:p>
+            <a:endParaRPr lang="es-419" sz="2000" dirty="0"/>
+          </a:p>
+          <a:p>
+            <a:endParaRPr lang="es-419" sz="2000" dirty="0"/>
+          </a:p>
+          <a:p>
+            <a:r>
+              <a:rPr lang="es-419" sz="2000" dirty="0"/>
+              <a:t>🔢 4. Conversión octal → binario → hexadecimal  Convierte el número octal 572₈ a:</a:t>
+            </a:r>
+          </a:p>
+          <a:p>
+            <a:endParaRPr lang="es-419" sz="2000" dirty="0"/>
+          </a:p>
+          <a:p>
+            <a:pPr marL="342900" indent="-342900">
+              <a:buAutoNum type="alphaLcParenR"/>
+            </a:pPr>
+            <a:r>
+              <a:rPr lang="es-419" sz="2000" dirty="0"/>
+              <a:t>Binario</a:t>
+            </a:r>
+          </a:p>
+          <a:p>
+            <a:pPr marL="342900" indent="-342900">
+              <a:buAutoNum type="alphaLcParenR"/>
+            </a:pPr>
+            <a:r>
+              <a:rPr lang="es-419" sz="2000" dirty="0"/>
+              <a:t>Hexadecimal</a:t>
+            </a:r>
+          </a:p>
+        </p:txBody>
+      </p:sp>
+    </p:spTree>
+    <p:extLst>
+      <p:ext uri="{BB962C8B-B14F-4D97-AF65-F5344CB8AC3E}">
+        <p14:creationId xmlns:p14="http://schemas.microsoft.com/office/powerpoint/2010/main" val="3636047780"/>
+      </p:ext>
+    </p:extLst>
+  </p:cSld>
+  <p:clrMapOvr>
+    <a:masterClrMapping/>
+  </p:clrMapOvr>
+</p:sld>
+</file>
+
+<file path=ppt/slides/slide18.xml><?xml version="1.0" encoding="utf-8"?>
+<p:sld xmlns:a="http://schemas.openxmlformats.org/drawingml/2006/main" xmlns:r="http://schemas.openxmlformats.org/officeDocument/2006/relationships" xmlns:p="http://schemas.openxmlformats.org/presentationml/2006/main">
+  <p:cSld>
+    <p:spTree>
+      <p:nvGrpSpPr>
+        <p:cNvPr id="1" name=""/>
+        <p:cNvGrpSpPr/>
+        <p:nvPr/>
+      </p:nvGrpSpPr>
+      <p:grpSpPr>
+        <a:xfrm>
+          <a:off x="0" y="0"/>
+          <a:ext cx="0" cy="0"/>
+          <a:chOff x="0" y="0"/>
+          <a:chExt cx="0" cy="0"/>
+        </a:xfrm>
+      </p:grpSpPr>
+      <p:sp>
+        <p:nvSpPr>
+          <p:cNvPr id="2" name="Título 1">
+            <a:extLst>
+              <a:ext uri="{FF2B5EF4-FFF2-40B4-BE49-F238E27FC236}">
+                <a16:creationId xmlns:a16="http://schemas.microsoft.com/office/drawing/2014/main" id="{94D97F5D-D37D-42DD-9875-610887AB7853}"/>
+              </a:ext>
+            </a:extLst>
+          </p:cNvPr>
+          <p:cNvSpPr>
+            <a:spLocks noGrp="1"/>
+          </p:cNvSpPr>
+          <p:nvPr>
+            <p:ph type="title"/>
+          </p:nvPr>
+        </p:nvSpPr>
+        <p:spPr/>
+        <p:txBody>
+          <a:bodyPr>
+            <a:normAutofit/>
+          </a:bodyPr>
+          <a:lstStyle/>
+          <a:p>
+            <a:r>
+              <a:rPr lang="es-ES" sz="4800" dirty="0"/>
+              <a:t>Conversión de flotantes </a:t>
+            </a:r>
+            <a:br>
+              <a:rPr lang="es-ES" sz="4000" dirty="0"/>
+            </a:br>
+            <a:r>
+              <a:rPr lang="es-ES" sz="4000" dirty="0"/>
+              <a:t>Binario-Decimal</a:t>
+            </a:r>
+            <a:endParaRPr lang="es-419" sz="4000" dirty="0"/>
+          </a:p>
+        </p:txBody>
+      </p:sp>
+      <p:sp>
+        <p:nvSpPr>
+          <p:cNvPr id="4" name="Marcador de contenido 2">
+            <a:extLst>
+              <a:ext uri="{FF2B5EF4-FFF2-40B4-BE49-F238E27FC236}">
+                <a16:creationId xmlns:a16="http://schemas.microsoft.com/office/drawing/2014/main" id="{B40C7C12-4877-4D3B-A0F1-052D500F5B69}"/>
+              </a:ext>
+            </a:extLst>
+          </p:cNvPr>
+          <p:cNvSpPr txBox="1">
+            <a:spLocks/>
+          </p:cNvSpPr>
+          <p:nvPr/>
+        </p:nvSpPr>
+        <p:spPr>
+          <a:xfrm>
+            <a:off x="949960" y="2069042"/>
+            <a:ext cx="11917680" cy="1943148"/>
+          </a:xfrm>
+          <a:prstGeom prst="rect">
+            <a:avLst/>
+          </a:prstGeom>
+        </p:spPr>
+        <p:txBody>
+          <a:bodyPr/>
+          <a:lstStyle>
+            <a:lvl1pPr marL="259072" indent="-259072" algn="l" defTabSz="1036290" rtl="0" eaLnBrk="1" latinLnBrk="0" hangingPunct="1">
+              <a:lnSpc>
+                <a:spcPct val="90000"/>
+              </a:lnSpc>
+              <a:spcBef>
+                <a:spcPts val="1133"/>
+              </a:spcBef>
+              <a:buFont typeface="Arial" panose="020B0604020202020204" pitchFamily="34" charset="0"/>
+              <a:buChar char="•"/>
+              <a:defRPr sz="3173" kern="1200">
+                <a:solidFill>
+                  <a:schemeClr val="tx1"/>
+                </a:solidFill>
+                <a:latin typeface="+mn-lt"/>
+                <a:ea typeface="+mn-ea"/>
+                <a:cs typeface="+mn-cs"/>
+              </a:defRPr>
+            </a:lvl1pPr>
+            <a:lvl2pPr marL="777217" indent="-259072" algn="l" defTabSz="1036290" rtl="0" eaLnBrk="1" latinLnBrk="0" hangingPunct="1">
+              <a:lnSpc>
+                <a:spcPct val="90000"/>
+              </a:lnSpc>
+              <a:spcBef>
+                <a:spcPts val="567"/>
+              </a:spcBef>
+              <a:buFont typeface="Arial" panose="020B0604020202020204" pitchFamily="34" charset="0"/>
+              <a:buChar char="•"/>
+              <a:defRPr sz="2720" kern="1200">
+                <a:solidFill>
+                  <a:schemeClr val="tx1"/>
+                </a:solidFill>
+                <a:latin typeface="+mn-lt"/>
+                <a:ea typeface="+mn-ea"/>
+                <a:cs typeface="+mn-cs"/>
+              </a:defRPr>
+            </a:lvl2pPr>
+            <a:lvl3pPr marL="1295362" indent="-259072" algn="l" defTabSz="1036290" rtl="0" eaLnBrk="1" latinLnBrk="0" hangingPunct="1">
+              <a:lnSpc>
+                <a:spcPct val="90000"/>
+              </a:lnSpc>
+              <a:spcBef>
+                <a:spcPts val="567"/>
+              </a:spcBef>
+              <a:buFont typeface="Arial" panose="020B0604020202020204" pitchFamily="34" charset="0"/>
+              <a:buChar char="•"/>
+              <a:defRPr sz="2267" kern="1200">
+                <a:solidFill>
+                  <a:schemeClr val="tx1"/>
+                </a:solidFill>
+                <a:latin typeface="+mn-lt"/>
+                <a:ea typeface="+mn-ea"/>
+                <a:cs typeface="+mn-cs"/>
+              </a:defRPr>
+            </a:lvl3pPr>
+            <a:lvl4pPr marL="1813507" indent="-259072" algn="l" defTabSz="1036290" rtl="0" eaLnBrk="1" latinLnBrk="0" hangingPunct="1">
+              <a:lnSpc>
+                <a:spcPct val="90000"/>
+              </a:lnSpc>
+              <a:spcBef>
+                <a:spcPts val="567"/>
+              </a:spcBef>
+              <a:buFont typeface="Arial" panose="020B0604020202020204" pitchFamily="34" charset="0"/>
+              <a:buChar char="•"/>
+              <a:defRPr sz="2040" kern="1200">
+                <a:solidFill>
+                  <a:schemeClr val="tx1"/>
+                </a:solidFill>
+                <a:latin typeface="+mn-lt"/>
+                <a:ea typeface="+mn-ea"/>
+                <a:cs typeface="+mn-cs"/>
+              </a:defRPr>
+            </a:lvl4pPr>
+            <a:lvl5pPr marL="2331651" indent="-259072" algn="l" defTabSz="1036290" rtl="0" eaLnBrk="1" latinLnBrk="0" hangingPunct="1">
+              <a:lnSpc>
+                <a:spcPct val="90000"/>
+              </a:lnSpc>
+              <a:spcBef>
+                <a:spcPts val="567"/>
+              </a:spcBef>
+              <a:buFont typeface="Arial" panose="020B0604020202020204" pitchFamily="34" charset="0"/>
+              <a:buChar char="•"/>
+              <a:defRPr sz="2040" kern="1200">
+                <a:solidFill>
+                  <a:schemeClr val="tx1"/>
+                </a:solidFill>
+                <a:latin typeface="+mn-lt"/>
+                <a:ea typeface="+mn-ea"/>
+                <a:cs typeface="+mn-cs"/>
+              </a:defRPr>
+            </a:lvl5pPr>
+            <a:lvl6pPr marL="2849796" indent="-259072" algn="l" defTabSz="1036290" rtl="0" eaLnBrk="1" latinLnBrk="0" hangingPunct="1">
+              <a:lnSpc>
+                <a:spcPct val="90000"/>
+              </a:lnSpc>
+              <a:spcBef>
+                <a:spcPts val="567"/>
+              </a:spcBef>
+              <a:buFont typeface="Arial" panose="020B0604020202020204" pitchFamily="34" charset="0"/>
+              <a:buChar char="•"/>
+              <a:defRPr sz="2040" kern="1200">
+                <a:solidFill>
+                  <a:schemeClr val="tx1"/>
+                </a:solidFill>
+                <a:latin typeface="+mn-lt"/>
+                <a:ea typeface="+mn-ea"/>
+                <a:cs typeface="+mn-cs"/>
+              </a:defRPr>
+            </a:lvl6pPr>
+            <a:lvl7pPr marL="3367941" indent="-259072" algn="l" defTabSz="1036290" rtl="0" eaLnBrk="1" latinLnBrk="0" hangingPunct="1">
+              <a:lnSpc>
+                <a:spcPct val="90000"/>
+              </a:lnSpc>
+              <a:spcBef>
+                <a:spcPts val="567"/>
+              </a:spcBef>
+              <a:buFont typeface="Arial" panose="020B0604020202020204" pitchFamily="34" charset="0"/>
+              <a:buChar char="•"/>
+              <a:defRPr sz="2040" kern="1200">
+                <a:solidFill>
+                  <a:schemeClr val="tx1"/>
+                </a:solidFill>
+                <a:latin typeface="+mn-lt"/>
+                <a:ea typeface="+mn-ea"/>
+                <a:cs typeface="+mn-cs"/>
+              </a:defRPr>
+            </a:lvl7pPr>
+            <a:lvl8pPr marL="3886086" indent="-259072" algn="l" defTabSz="1036290" rtl="0" eaLnBrk="1" latinLnBrk="0" hangingPunct="1">
+              <a:lnSpc>
+                <a:spcPct val="90000"/>
+              </a:lnSpc>
+              <a:spcBef>
+                <a:spcPts val="567"/>
+              </a:spcBef>
+              <a:buFont typeface="Arial" panose="020B0604020202020204" pitchFamily="34" charset="0"/>
+              <a:buChar char="•"/>
+              <a:defRPr sz="2040" kern="1200">
+                <a:solidFill>
+                  <a:schemeClr val="tx1"/>
+                </a:solidFill>
+                <a:latin typeface="+mn-lt"/>
+                <a:ea typeface="+mn-ea"/>
+                <a:cs typeface="+mn-cs"/>
+              </a:defRPr>
+            </a:lvl8pPr>
+            <a:lvl9pPr marL="4404230" indent="-259072" algn="l" defTabSz="1036290" rtl="0" eaLnBrk="1" latinLnBrk="0" hangingPunct="1">
+              <a:lnSpc>
+                <a:spcPct val="90000"/>
+              </a:lnSpc>
+              <a:spcBef>
+                <a:spcPts val="567"/>
+              </a:spcBef>
+              <a:buFont typeface="Arial" panose="020B0604020202020204" pitchFamily="34" charset="0"/>
+              <a:buChar char="•"/>
+              <a:defRPr sz="2040" kern="1200">
+                <a:solidFill>
+                  <a:schemeClr val="tx1"/>
+                </a:solidFill>
+                <a:latin typeface="+mn-lt"/>
+                <a:ea typeface="+mn-ea"/>
+                <a:cs typeface="+mn-cs"/>
+              </a:defRPr>
+            </a:lvl9pPr>
+          </a:lstStyle>
+          <a:p>
+            <a:r>
+              <a:rPr lang="es-ES" sz="2400" dirty="0"/>
+              <a:t>Paso 1: Separa la parte entera y la parte fraccionaria</a:t>
+            </a:r>
+          </a:p>
+          <a:p>
+            <a:r>
+              <a:rPr lang="es-ES" sz="2400" dirty="0"/>
+              <a:t>Paso 2: Convierte los bits de la parte entera a decimal como ya lo hemos visto (usa las cajitas)</a:t>
+            </a:r>
+          </a:p>
+          <a:p>
+            <a:r>
+              <a:rPr lang="es-419" sz="2400" dirty="0"/>
+              <a:t>Paso 3: Multiplica los bits de la parte fraccionaria para convertirlos a decimal, para ello usemos esta cajita:</a:t>
+            </a:r>
+            <a:endParaRPr lang="es-CO" sz="2400" dirty="0"/>
+          </a:p>
+        </p:txBody>
+      </p:sp>
+      <p:graphicFrame>
+        <p:nvGraphicFramePr>
+          <p:cNvPr id="5" name="Tabla 5">
+            <a:extLst>
+              <a:ext uri="{FF2B5EF4-FFF2-40B4-BE49-F238E27FC236}">
+                <a16:creationId xmlns:a16="http://schemas.microsoft.com/office/drawing/2014/main" id="{B8CFBB29-649F-4542-A4E8-7AED0A504B06}"/>
+              </a:ext>
+            </a:extLst>
+          </p:cNvPr>
+          <p:cNvGraphicFramePr>
+            <a:graphicFrameLocks noGrp="1"/>
+          </p:cNvGraphicFramePr>
+          <p:nvPr>
+            <p:extLst>
+              <p:ext uri="{D42A27DB-BD31-4B8C-83A1-F6EECF244321}">
+                <p14:modId xmlns:p14="http://schemas.microsoft.com/office/powerpoint/2010/main" val="3135166226"/>
+              </p:ext>
+            </p:extLst>
+          </p:nvPr>
+        </p:nvGraphicFramePr>
+        <p:xfrm>
+          <a:off x="2960914" y="4090934"/>
+          <a:ext cx="7895772" cy="804672"/>
+        </p:xfrm>
+        <a:graphic>
+          <a:graphicData uri="http://schemas.openxmlformats.org/drawingml/2006/table">
+            <a:tbl>
+              <a:tblPr firstRow="1" bandRow="1">
+                <a:tableStyleId>{2D5ABB26-0587-4C30-8999-92F81FD0307C}</a:tableStyleId>
+              </a:tblPr>
+              <a:tblGrid>
+                <a:gridCol w="1315962">
+                  <a:extLst>
+                    <a:ext uri="{9D8B030D-6E8A-4147-A177-3AD203B41FA5}">
+                      <a16:colId xmlns:a16="http://schemas.microsoft.com/office/drawing/2014/main" val="3412528817"/>
+                    </a:ext>
+                  </a:extLst>
+                </a:gridCol>
+                <a:gridCol w="1315962">
+                  <a:extLst>
+                    <a:ext uri="{9D8B030D-6E8A-4147-A177-3AD203B41FA5}">
+                      <a16:colId xmlns:a16="http://schemas.microsoft.com/office/drawing/2014/main" val="3568994439"/>
+                    </a:ext>
+                  </a:extLst>
+                </a:gridCol>
+                <a:gridCol w="1315962">
+                  <a:extLst>
+                    <a:ext uri="{9D8B030D-6E8A-4147-A177-3AD203B41FA5}">
+                      <a16:colId xmlns:a16="http://schemas.microsoft.com/office/drawing/2014/main" val="4282465981"/>
+                    </a:ext>
+                  </a:extLst>
+                </a:gridCol>
+                <a:gridCol w="1315962">
+                  <a:extLst>
+                    <a:ext uri="{9D8B030D-6E8A-4147-A177-3AD203B41FA5}">
+                      <a16:colId xmlns:a16="http://schemas.microsoft.com/office/drawing/2014/main" val="3334606244"/>
+                    </a:ext>
+                  </a:extLst>
+                </a:gridCol>
+                <a:gridCol w="1315962">
+                  <a:extLst>
+                    <a:ext uri="{9D8B030D-6E8A-4147-A177-3AD203B41FA5}">
+                      <a16:colId xmlns:a16="http://schemas.microsoft.com/office/drawing/2014/main" val="2954575977"/>
+                    </a:ext>
+                  </a:extLst>
+                </a:gridCol>
+                <a:gridCol w="1315962">
+                  <a:extLst>
+                    <a:ext uri="{9D8B030D-6E8A-4147-A177-3AD203B41FA5}">
+                      <a16:colId xmlns:a16="http://schemas.microsoft.com/office/drawing/2014/main" val="3450043460"/>
+                    </a:ext>
+                  </a:extLst>
+                </a:gridCol>
+              </a:tblGrid>
+              <a:tr h="370840">
+                <a:tc>
+                  <a:txBody>
+                    <a:bodyPr/>
+                    <a:lstStyle/>
+                    <a:p>
+                      <a:r>
+                        <a:rPr lang="es-419" dirty="0"/>
+                        <a:t>2⁻¹</a:t>
+                      </a:r>
+                    </a:p>
+                  </a:txBody>
+                  <a:tcPr>
+                    <a:lnB w="12700" cap="flat" cmpd="sng" algn="ctr">
+                      <a:solidFill>
+                        <a:schemeClr val="tx1"/>
+                      </a:solidFill>
+                      <a:prstDash val="solid"/>
+                      <a:round/>
+                      <a:headEnd type="none" w="med" len="med"/>
+                      <a:tailEnd type="none" w="med" len="med"/>
+                    </a:lnB>
+                  </a:tcPr>
+                </a:tc>
+                <a:tc>
+                  <a:txBody>
+                    <a:bodyPr/>
+                    <a:lstStyle/>
+                    <a:p>
+                      <a:r>
+                        <a:rPr lang="es-419" dirty="0"/>
+                        <a:t>2⁻²</a:t>
+                      </a:r>
+                    </a:p>
+                  </a:txBody>
+                  <a:tcPr>
+                    <a:lnB w="12700" cap="flat" cmpd="sng" algn="ctr">
+                      <a:solidFill>
+                        <a:schemeClr val="tx1"/>
+                      </a:solidFill>
+                      <a:prstDash val="solid"/>
+                      <a:round/>
+                      <a:headEnd type="none" w="med" len="med"/>
+                      <a:tailEnd type="none" w="med" len="med"/>
+                    </a:lnB>
+                  </a:tcPr>
+                </a:tc>
+                <a:tc>
+                  <a:txBody>
+                    <a:bodyPr/>
+                    <a:lstStyle/>
+                    <a:p>
+                      <a:r>
+                        <a:rPr lang="es-419" dirty="0"/>
+                        <a:t>2⁻³</a:t>
+                      </a:r>
+                    </a:p>
+                  </a:txBody>
+                  <a:tcPr>
+                    <a:lnB w="12700" cap="flat" cmpd="sng" algn="ctr">
+                      <a:solidFill>
+                        <a:schemeClr val="tx1"/>
+                      </a:solidFill>
+                      <a:prstDash val="solid"/>
+                      <a:round/>
+                      <a:headEnd type="none" w="med" len="med"/>
+                      <a:tailEnd type="none" w="med" len="med"/>
+                    </a:lnB>
+                  </a:tcPr>
+                </a:tc>
+                <a:tc>
+                  <a:txBody>
+                    <a:bodyPr/>
+                    <a:lstStyle/>
+                    <a:p>
+                      <a:r>
+                        <a:rPr lang="es-419" dirty="0"/>
+                        <a:t>2⁻⁴</a:t>
+                      </a:r>
+                    </a:p>
+                  </a:txBody>
+                  <a:tcPr>
+                    <a:lnB w="12700" cap="flat" cmpd="sng" algn="ctr">
+                      <a:solidFill>
+                        <a:schemeClr val="tx1"/>
+                      </a:solidFill>
+                      <a:prstDash val="solid"/>
+                      <a:round/>
+                      <a:headEnd type="none" w="med" len="med"/>
+                      <a:tailEnd type="none" w="med" len="med"/>
+                    </a:lnB>
+                  </a:tcPr>
+                </a:tc>
+                <a:tc>
+                  <a:txBody>
+                    <a:bodyPr/>
+                    <a:lstStyle/>
+                    <a:p>
+                      <a:r>
+                        <a:rPr lang="es-419" dirty="0"/>
+                        <a:t>2⁻⁵</a:t>
+                      </a:r>
+                    </a:p>
+                  </a:txBody>
+                  <a:tcPr>
+                    <a:lnB w="12700" cap="flat" cmpd="sng" algn="ctr">
+                      <a:solidFill>
+                        <a:schemeClr val="tx1"/>
+                      </a:solidFill>
+                      <a:prstDash val="solid"/>
+                      <a:round/>
+                      <a:headEnd type="none" w="med" len="med"/>
+                      <a:tailEnd type="none" w="med" len="med"/>
+                    </a:lnB>
+                  </a:tcPr>
+                </a:tc>
+                <a:tc>
+                  <a:txBody>
+                    <a:bodyPr/>
+                    <a:lstStyle/>
+                    <a:p>
+                      <a:r>
+                        <a:rPr lang="es-419" dirty="0"/>
+                        <a:t>2⁻⁶</a:t>
+                      </a:r>
+                    </a:p>
+                  </a:txBody>
+                  <a:tcPr>
+                    <a:lnB w="12700" cap="flat" cmpd="sng" algn="ctr">
+                      <a:solidFill>
+                        <a:schemeClr val="tx1"/>
+                      </a:solidFill>
+                      <a:prstDash val="solid"/>
+                      <a:round/>
+                      <a:headEnd type="none" w="med" len="med"/>
+                      <a:tailEnd type="none" w="med" len="med"/>
+                    </a:lnB>
+                  </a:tcPr>
+                </a:tc>
+                <a:extLst>
+                  <a:ext uri="{0D108BD9-81ED-4DB2-BD59-A6C34878D82A}">
+                    <a16:rowId xmlns:a16="http://schemas.microsoft.com/office/drawing/2014/main" val="2017482204"/>
+                  </a:ext>
+                </a:extLst>
+              </a:tr>
+              <a:tr h="370840">
+                <a:tc>
+                  <a:txBody>
+                    <a:bodyPr/>
+                    <a:lstStyle/>
+                    <a:p>
+                      <a:r>
+                        <a:rPr lang="es-419" dirty="0"/>
+                        <a:t>0.5</a:t>
+                      </a:r>
+                    </a:p>
+                  </a:txBody>
+                  <a:tcPr>
+                    <a:lnL w="12700" cap="flat" cmpd="sng" algn="ctr">
+                      <a:solidFill>
+                        <a:schemeClr val="tx1"/>
+                      </a:solidFill>
+                      <a:prstDash val="solid"/>
+                      <a:round/>
+                      <a:headEnd type="none" w="med" len="med"/>
+                      <a:tailEnd type="none" w="med" len="med"/>
+                    </a:lnL>
+                    <a:lnR w="12700" cap="flat" cmpd="sng" algn="ctr">
+                      <a:solidFill>
+                        <a:schemeClr val="tx1"/>
+                      </a:solidFill>
+                      <a:prstDash val="solid"/>
+                      <a:round/>
+                      <a:headEnd type="none" w="med" len="med"/>
+                      <a:tailEnd type="none" w="med" len="med"/>
+                    </a:lnR>
+                    <a:lnT w="12700" cap="flat" cmpd="sng" algn="ctr">
+                      <a:solidFill>
+                        <a:schemeClr val="tx1"/>
+                      </a:solidFill>
+                      <a:prstDash val="solid"/>
+                      <a:round/>
+                      <a:headEnd type="none" w="med" len="med"/>
+                      <a:tailEnd type="none" w="med" len="med"/>
+                    </a:lnT>
+                    <a:lnB w="12700" cap="flat" cmpd="sng" algn="ctr">
+                      <a:solidFill>
+                        <a:schemeClr val="tx1"/>
+                      </a:solidFill>
+                      <a:prstDash val="solid"/>
+                      <a:round/>
+                      <a:headEnd type="none" w="med" len="med"/>
+                      <a:tailEnd type="none" w="med" len="med"/>
+                    </a:lnB>
+                  </a:tcPr>
+                </a:tc>
+                <a:tc>
+                  <a:txBody>
+                    <a:bodyPr/>
+                    <a:lstStyle/>
+                    <a:p>
+                      <a:r>
+                        <a:rPr lang="es-419" dirty="0"/>
+                        <a:t>0.25</a:t>
+                      </a:r>
+                    </a:p>
+                  </a:txBody>
+                  <a:tcPr>
+                    <a:lnL w="12700" cap="flat" cmpd="sng" algn="ctr">
+                      <a:solidFill>
+                        <a:schemeClr val="tx1"/>
+                      </a:solidFill>
+                      <a:prstDash val="solid"/>
+                      <a:round/>
+                      <a:headEnd type="none" w="med" len="med"/>
+                      <a:tailEnd type="none" w="med" len="med"/>
+                    </a:lnL>
+                    <a:lnR w="12700" cap="flat" cmpd="sng" algn="ctr">
+                      <a:solidFill>
+                        <a:schemeClr val="tx1"/>
+                      </a:solidFill>
+                      <a:prstDash val="solid"/>
+                      <a:round/>
+                      <a:headEnd type="none" w="med" len="med"/>
+                      <a:tailEnd type="none" w="med" len="med"/>
+                    </a:lnR>
+                    <a:lnT w="12700" cap="flat" cmpd="sng" algn="ctr">
+                      <a:solidFill>
+                        <a:schemeClr val="tx1"/>
+                      </a:solidFill>
+                      <a:prstDash val="solid"/>
+                      <a:round/>
+                      <a:headEnd type="none" w="med" len="med"/>
+                      <a:tailEnd type="none" w="med" len="med"/>
+                    </a:lnT>
+                    <a:lnB w="12700" cap="flat" cmpd="sng" algn="ctr">
+                      <a:solidFill>
+                        <a:schemeClr val="tx1"/>
+                      </a:solidFill>
+                      <a:prstDash val="solid"/>
+                      <a:round/>
+                      <a:headEnd type="none" w="med" len="med"/>
+                      <a:tailEnd type="none" w="med" len="med"/>
+                    </a:lnB>
+                  </a:tcPr>
+                </a:tc>
+                <a:tc>
+                  <a:txBody>
+                    <a:bodyPr/>
+                    <a:lstStyle/>
+                    <a:p>
+                      <a:r>
+                        <a:rPr lang="es-419" dirty="0"/>
+                        <a:t>0.125</a:t>
+                      </a:r>
+                    </a:p>
+                  </a:txBody>
+                  <a:tcPr>
+                    <a:lnL w="12700" cap="flat" cmpd="sng" algn="ctr">
+                      <a:solidFill>
+                        <a:schemeClr val="tx1"/>
+                      </a:solidFill>
+                      <a:prstDash val="solid"/>
+                      <a:round/>
+                      <a:headEnd type="none" w="med" len="med"/>
+                      <a:tailEnd type="none" w="med" len="med"/>
+                    </a:lnL>
+                    <a:lnR w="12700" cap="flat" cmpd="sng" algn="ctr">
+                      <a:solidFill>
+                        <a:schemeClr val="tx1"/>
+                      </a:solidFill>
+                      <a:prstDash val="solid"/>
+                      <a:round/>
+                      <a:headEnd type="none" w="med" len="med"/>
+                      <a:tailEnd type="none" w="med" len="med"/>
+                    </a:lnR>
+                    <a:lnT w="12700" cap="flat" cmpd="sng" algn="ctr">
+                      <a:solidFill>
+                        <a:schemeClr val="tx1"/>
+                      </a:solidFill>
+                      <a:prstDash val="solid"/>
+                      <a:round/>
+                      <a:headEnd type="none" w="med" len="med"/>
+                      <a:tailEnd type="none" w="med" len="med"/>
+                    </a:lnT>
+                    <a:lnB w="12700" cap="flat" cmpd="sng" algn="ctr">
+                      <a:solidFill>
+                        <a:schemeClr val="tx1"/>
+                      </a:solidFill>
+                      <a:prstDash val="solid"/>
+                      <a:round/>
+                      <a:headEnd type="none" w="med" len="med"/>
+                      <a:tailEnd type="none" w="med" len="med"/>
+                    </a:lnB>
+                  </a:tcPr>
+                </a:tc>
+                <a:tc>
+                  <a:txBody>
+                    <a:bodyPr/>
+                    <a:lstStyle/>
+                    <a:p>
+                      <a:r>
+                        <a:rPr lang="es-419" dirty="0"/>
+                        <a:t>0.0625</a:t>
+                      </a:r>
+                    </a:p>
+                  </a:txBody>
+                  <a:tcPr>
+                    <a:lnL w="12700" cap="flat" cmpd="sng" algn="ctr">
+                      <a:solidFill>
+                        <a:schemeClr val="tx1"/>
+                      </a:solidFill>
+                      <a:prstDash val="solid"/>
+                      <a:round/>
+                      <a:headEnd type="none" w="med" len="med"/>
+                      <a:tailEnd type="none" w="med" len="med"/>
+                    </a:lnL>
+                    <a:lnR w="12700" cap="flat" cmpd="sng" algn="ctr">
+                      <a:solidFill>
+                        <a:schemeClr val="tx1"/>
+                      </a:solidFill>
+                      <a:prstDash val="solid"/>
+                      <a:round/>
+                      <a:headEnd type="none" w="med" len="med"/>
+                      <a:tailEnd type="none" w="med" len="med"/>
+                    </a:lnR>
+                    <a:lnT w="12700" cap="flat" cmpd="sng" algn="ctr">
+                      <a:solidFill>
+                        <a:schemeClr val="tx1"/>
+                      </a:solidFill>
+                      <a:prstDash val="solid"/>
+                      <a:round/>
+                      <a:headEnd type="none" w="med" len="med"/>
+                      <a:tailEnd type="none" w="med" len="med"/>
+                    </a:lnT>
+                    <a:lnB w="12700" cap="flat" cmpd="sng" algn="ctr">
+                      <a:solidFill>
+                        <a:schemeClr val="tx1"/>
+                      </a:solidFill>
+                      <a:prstDash val="solid"/>
+                      <a:round/>
+                      <a:headEnd type="none" w="med" len="med"/>
+                      <a:tailEnd type="none" w="med" len="med"/>
+                    </a:lnB>
+                  </a:tcPr>
+                </a:tc>
+                <a:tc>
+                  <a:txBody>
+                    <a:bodyPr/>
+                    <a:lstStyle/>
+                    <a:p>
+                      <a:r>
+                        <a:rPr lang="es-419" dirty="0"/>
+                        <a:t>0.03125</a:t>
+                      </a:r>
+                    </a:p>
+                  </a:txBody>
+                  <a:tcPr>
+                    <a:lnL w="12700" cap="flat" cmpd="sng" algn="ctr">
+                      <a:solidFill>
+                        <a:schemeClr val="tx1"/>
+                      </a:solidFill>
+                      <a:prstDash val="solid"/>
+                      <a:round/>
+                      <a:headEnd type="none" w="med" len="med"/>
+                      <a:tailEnd type="none" w="med" len="med"/>
+                    </a:lnL>
+                    <a:lnR w="12700" cap="flat" cmpd="sng" algn="ctr">
+                      <a:solidFill>
+                        <a:schemeClr val="tx1"/>
+                      </a:solidFill>
+                      <a:prstDash val="solid"/>
+                      <a:round/>
+                      <a:headEnd type="none" w="med" len="med"/>
+                      <a:tailEnd type="none" w="med" len="med"/>
+                    </a:lnR>
+                    <a:lnT w="12700" cap="flat" cmpd="sng" algn="ctr">
+                      <a:solidFill>
+                        <a:schemeClr val="tx1"/>
+                      </a:solidFill>
+                      <a:prstDash val="solid"/>
+                      <a:round/>
+                      <a:headEnd type="none" w="med" len="med"/>
+                      <a:tailEnd type="none" w="med" len="med"/>
+                    </a:lnT>
+                    <a:lnB w="12700" cap="flat" cmpd="sng" algn="ctr">
+                      <a:solidFill>
+                        <a:schemeClr val="tx1"/>
+                      </a:solidFill>
+                      <a:prstDash val="solid"/>
+                      <a:round/>
+                      <a:headEnd type="none" w="med" len="med"/>
+                      <a:tailEnd type="none" w="med" len="med"/>
+                    </a:lnB>
+                  </a:tcPr>
+                </a:tc>
+                <a:tc>
+                  <a:txBody>
+                    <a:bodyPr/>
+                    <a:lstStyle/>
+                    <a:p>
+                      <a:r>
+                        <a:rPr lang="es-419" dirty="0"/>
+                        <a:t>0.015625</a:t>
+                      </a:r>
+                    </a:p>
+                  </a:txBody>
+                  <a:tcPr>
+                    <a:lnL w="12700" cap="flat" cmpd="sng" algn="ctr">
+                      <a:solidFill>
+                        <a:schemeClr val="tx1"/>
+                      </a:solidFill>
+                      <a:prstDash val="solid"/>
+                      <a:round/>
+                      <a:headEnd type="none" w="med" len="med"/>
+                      <a:tailEnd type="none" w="med" len="med"/>
+                    </a:lnL>
+                    <a:lnR w="12700" cap="flat" cmpd="sng" algn="ctr">
+                      <a:solidFill>
+                        <a:schemeClr val="tx1"/>
+                      </a:solidFill>
+                      <a:prstDash val="solid"/>
+                      <a:round/>
+                      <a:headEnd type="none" w="med" len="med"/>
+                      <a:tailEnd type="none" w="med" len="med"/>
+                    </a:lnR>
+                    <a:lnT w="12700" cap="flat" cmpd="sng" algn="ctr">
+                      <a:solidFill>
+                        <a:schemeClr val="tx1"/>
+                      </a:solidFill>
+                      <a:prstDash val="solid"/>
+                      <a:round/>
+                      <a:headEnd type="none" w="med" len="med"/>
+                      <a:tailEnd type="none" w="med" len="med"/>
+                    </a:lnT>
+                    <a:lnB w="12700" cap="flat" cmpd="sng" algn="ctr">
+                      <a:solidFill>
+                        <a:schemeClr val="tx1"/>
+                      </a:solidFill>
+                      <a:prstDash val="solid"/>
+                      <a:round/>
+                      <a:headEnd type="none" w="med" len="med"/>
+                      <a:tailEnd type="none" w="med" len="med"/>
+                    </a:lnB>
+                  </a:tcPr>
+                </a:tc>
+                <a:extLst>
+                  <a:ext uri="{0D108BD9-81ED-4DB2-BD59-A6C34878D82A}">
+                    <a16:rowId xmlns:a16="http://schemas.microsoft.com/office/drawing/2014/main" val="354739079"/>
+                  </a:ext>
+                </a:extLst>
+              </a:tr>
+            </a:tbl>
+          </a:graphicData>
+        </a:graphic>
+      </p:graphicFrame>
+      <p:sp>
+        <p:nvSpPr>
+          <p:cNvPr id="6" name="CuadroTexto 5">
+            <a:extLst>
+              <a:ext uri="{FF2B5EF4-FFF2-40B4-BE49-F238E27FC236}">
+                <a16:creationId xmlns:a16="http://schemas.microsoft.com/office/drawing/2014/main" id="{2CCFA170-838C-40B2-9244-B6C14241E30A}"/>
+              </a:ext>
+            </a:extLst>
+          </p:cNvPr>
+          <p:cNvSpPr txBox="1"/>
+          <p:nvPr/>
+        </p:nvSpPr>
+        <p:spPr>
+          <a:xfrm>
+            <a:off x="2419107" y="3940577"/>
+            <a:ext cx="399115" cy="1107996"/>
+          </a:xfrm>
+          <a:prstGeom prst="rect">
+            <a:avLst/>
+          </a:prstGeom>
+          <a:noFill/>
+        </p:spPr>
+        <p:txBody>
+          <a:bodyPr wrap="square" rtlCol="0">
+            <a:spAutoFit/>
+          </a:bodyPr>
+          <a:lstStyle/>
+          <a:p>
+            <a:r>
+              <a:rPr lang="es-ES" sz="6600" b="1" dirty="0"/>
+              <a:t>.</a:t>
+            </a:r>
+            <a:endParaRPr lang="es-419" sz="6600" b="1" dirty="0"/>
+          </a:p>
+        </p:txBody>
+      </p:sp>
+      <p:cxnSp>
+        <p:nvCxnSpPr>
+          <p:cNvPr id="8" name="Conector recto de flecha 7">
+            <a:extLst>
+              <a:ext uri="{FF2B5EF4-FFF2-40B4-BE49-F238E27FC236}">
+                <a16:creationId xmlns:a16="http://schemas.microsoft.com/office/drawing/2014/main" id="{1A9487FF-36D4-4FB1-90B8-50FF973C09A5}"/>
+              </a:ext>
+            </a:extLst>
+          </p:cNvPr>
+          <p:cNvCxnSpPr>
+            <a:cxnSpLocks/>
+          </p:cNvCxnSpPr>
+          <p:nvPr/>
+        </p:nvCxnSpPr>
+        <p:spPr>
+          <a:xfrm flipV="1">
+            <a:off x="2618665" y="5019916"/>
+            <a:ext cx="1" cy="535610"/>
+          </a:xfrm>
+          <a:prstGeom prst="straightConnector1">
+            <a:avLst/>
+          </a:prstGeom>
+          <a:ln>
+            <a:tailEnd type="triangle"/>
+          </a:ln>
+        </p:spPr>
+        <p:style>
+          <a:lnRef idx="1">
+            <a:schemeClr val="accent1"/>
+          </a:lnRef>
+          <a:fillRef idx="0">
+            <a:schemeClr val="accent1"/>
+          </a:fillRef>
+          <a:effectRef idx="0">
+            <a:schemeClr val="accent1"/>
+          </a:effectRef>
+          <a:fontRef idx="minor">
+            <a:schemeClr val="tx1"/>
+          </a:fontRef>
+        </p:style>
+      </p:cxnSp>
+      <p:sp>
+        <p:nvSpPr>
+          <p:cNvPr id="9" name="CuadroTexto 8">
+            <a:extLst>
+              <a:ext uri="{FF2B5EF4-FFF2-40B4-BE49-F238E27FC236}">
+                <a16:creationId xmlns:a16="http://schemas.microsoft.com/office/drawing/2014/main" id="{4F37CFE1-503F-48FD-8466-CE77CE807DBC}"/>
+              </a:ext>
+            </a:extLst>
+          </p:cNvPr>
+          <p:cNvSpPr txBox="1"/>
+          <p:nvPr/>
+        </p:nvSpPr>
+        <p:spPr>
+          <a:xfrm>
+            <a:off x="1652199" y="5634270"/>
+            <a:ext cx="1566134" cy="369332"/>
+          </a:xfrm>
+          <a:prstGeom prst="rect">
+            <a:avLst/>
+          </a:prstGeom>
+          <a:noFill/>
+        </p:spPr>
+        <p:txBody>
+          <a:bodyPr wrap="none" rtlCol="0">
+            <a:spAutoFit/>
+          </a:bodyPr>
+          <a:lstStyle/>
+          <a:p>
+            <a:r>
+              <a:rPr lang="es-ES" b="1" dirty="0">
+                <a:solidFill>
+                  <a:schemeClr val="accent1"/>
+                </a:solidFill>
+              </a:rPr>
+              <a:t>Punto flotante</a:t>
+            </a:r>
+            <a:endParaRPr lang="es-419" b="1" dirty="0">
+              <a:solidFill>
+                <a:schemeClr val="accent1"/>
+              </a:solidFill>
+            </a:endParaRPr>
+          </a:p>
+        </p:txBody>
+      </p:sp>
+      <p:sp>
+        <p:nvSpPr>
+          <p:cNvPr id="10" name="Marcador de contenido 2">
+            <a:extLst>
+              <a:ext uri="{FF2B5EF4-FFF2-40B4-BE49-F238E27FC236}">
+                <a16:creationId xmlns:a16="http://schemas.microsoft.com/office/drawing/2014/main" id="{B659BDD7-15F0-4C2A-BBF3-5DD05E1DF4DE}"/>
+              </a:ext>
+            </a:extLst>
+          </p:cNvPr>
+          <p:cNvSpPr txBox="1">
+            <a:spLocks/>
+          </p:cNvSpPr>
+          <p:nvPr/>
+        </p:nvSpPr>
+        <p:spPr>
+          <a:xfrm>
+            <a:off x="949960" y="6384498"/>
+            <a:ext cx="11917680" cy="535610"/>
+          </a:xfrm>
+          <a:prstGeom prst="rect">
+            <a:avLst/>
+          </a:prstGeom>
+        </p:spPr>
+        <p:txBody>
+          <a:bodyPr/>
+          <a:lstStyle>
+            <a:lvl1pPr marL="259072" indent="-259072" algn="l" defTabSz="1036290" rtl="0" eaLnBrk="1" latinLnBrk="0" hangingPunct="1">
+              <a:lnSpc>
+                <a:spcPct val="90000"/>
+              </a:lnSpc>
+              <a:spcBef>
+                <a:spcPts val="1133"/>
+              </a:spcBef>
+              <a:buFont typeface="Arial" panose="020B0604020202020204" pitchFamily="34" charset="0"/>
+              <a:buChar char="•"/>
+              <a:defRPr sz="3173" kern="1200">
+                <a:solidFill>
+                  <a:schemeClr val="tx1"/>
+                </a:solidFill>
+                <a:latin typeface="+mn-lt"/>
+                <a:ea typeface="+mn-ea"/>
+                <a:cs typeface="+mn-cs"/>
+              </a:defRPr>
+            </a:lvl1pPr>
+            <a:lvl2pPr marL="777217" indent="-259072" algn="l" defTabSz="1036290" rtl="0" eaLnBrk="1" latinLnBrk="0" hangingPunct="1">
+              <a:lnSpc>
+                <a:spcPct val="90000"/>
+              </a:lnSpc>
+              <a:spcBef>
+                <a:spcPts val="567"/>
+              </a:spcBef>
+              <a:buFont typeface="Arial" panose="020B0604020202020204" pitchFamily="34" charset="0"/>
+              <a:buChar char="•"/>
+              <a:defRPr sz="2720" kern="1200">
+                <a:solidFill>
+                  <a:schemeClr val="tx1"/>
+                </a:solidFill>
+                <a:latin typeface="+mn-lt"/>
+                <a:ea typeface="+mn-ea"/>
+                <a:cs typeface="+mn-cs"/>
+              </a:defRPr>
+            </a:lvl2pPr>
+            <a:lvl3pPr marL="1295362" indent="-259072" algn="l" defTabSz="1036290" rtl="0" eaLnBrk="1" latinLnBrk="0" hangingPunct="1">
+              <a:lnSpc>
+                <a:spcPct val="90000"/>
+              </a:lnSpc>
+              <a:spcBef>
+                <a:spcPts val="567"/>
+              </a:spcBef>
+              <a:buFont typeface="Arial" panose="020B0604020202020204" pitchFamily="34" charset="0"/>
+              <a:buChar char="•"/>
+              <a:defRPr sz="2267" kern="1200">
+                <a:solidFill>
+                  <a:schemeClr val="tx1"/>
+                </a:solidFill>
+                <a:latin typeface="+mn-lt"/>
+                <a:ea typeface="+mn-ea"/>
+                <a:cs typeface="+mn-cs"/>
+              </a:defRPr>
+            </a:lvl3pPr>
+            <a:lvl4pPr marL="1813507" indent="-259072" algn="l" defTabSz="1036290" rtl="0" eaLnBrk="1" latinLnBrk="0" hangingPunct="1">
+              <a:lnSpc>
+                <a:spcPct val="90000"/>
+              </a:lnSpc>
+              <a:spcBef>
+                <a:spcPts val="567"/>
+              </a:spcBef>
+              <a:buFont typeface="Arial" panose="020B0604020202020204" pitchFamily="34" charset="0"/>
+              <a:buChar char="•"/>
+              <a:defRPr sz="2040" kern="1200">
+                <a:solidFill>
+                  <a:schemeClr val="tx1"/>
+                </a:solidFill>
+                <a:latin typeface="+mn-lt"/>
+                <a:ea typeface="+mn-ea"/>
+                <a:cs typeface="+mn-cs"/>
+              </a:defRPr>
+            </a:lvl4pPr>
+            <a:lvl5pPr marL="2331651" indent="-259072" algn="l" defTabSz="1036290" rtl="0" eaLnBrk="1" latinLnBrk="0" hangingPunct="1">
+              <a:lnSpc>
+                <a:spcPct val="90000"/>
+              </a:lnSpc>
+              <a:spcBef>
+                <a:spcPts val="567"/>
+              </a:spcBef>
+              <a:buFont typeface="Arial" panose="020B0604020202020204" pitchFamily="34" charset="0"/>
+              <a:buChar char="•"/>
+              <a:defRPr sz="2040" kern="1200">
+                <a:solidFill>
+                  <a:schemeClr val="tx1"/>
+                </a:solidFill>
+                <a:latin typeface="+mn-lt"/>
+                <a:ea typeface="+mn-ea"/>
+                <a:cs typeface="+mn-cs"/>
+              </a:defRPr>
+            </a:lvl5pPr>
+            <a:lvl6pPr marL="2849796" indent="-259072" algn="l" defTabSz="1036290" rtl="0" eaLnBrk="1" latinLnBrk="0" hangingPunct="1">
+              <a:lnSpc>
+                <a:spcPct val="90000"/>
+              </a:lnSpc>
+              <a:spcBef>
+                <a:spcPts val="567"/>
+              </a:spcBef>
+              <a:buFont typeface="Arial" panose="020B0604020202020204" pitchFamily="34" charset="0"/>
+              <a:buChar char="•"/>
+              <a:defRPr sz="2040" kern="1200">
+                <a:solidFill>
+                  <a:schemeClr val="tx1"/>
+                </a:solidFill>
+                <a:latin typeface="+mn-lt"/>
+                <a:ea typeface="+mn-ea"/>
+                <a:cs typeface="+mn-cs"/>
+              </a:defRPr>
+            </a:lvl6pPr>
+            <a:lvl7pPr marL="3367941" indent="-259072" algn="l" defTabSz="1036290" rtl="0" eaLnBrk="1" latinLnBrk="0" hangingPunct="1">
+              <a:lnSpc>
+                <a:spcPct val="90000"/>
+              </a:lnSpc>
+              <a:spcBef>
+                <a:spcPts val="567"/>
+              </a:spcBef>
+              <a:buFont typeface="Arial" panose="020B0604020202020204" pitchFamily="34" charset="0"/>
+              <a:buChar char="•"/>
+              <a:defRPr sz="2040" kern="1200">
+                <a:solidFill>
+                  <a:schemeClr val="tx1"/>
+                </a:solidFill>
+                <a:latin typeface="+mn-lt"/>
+                <a:ea typeface="+mn-ea"/>
+                <a:cs typeface="+mn-cs"/>
+              </a:defRPr>
+            </a:lvl7pPr>
+            <a:lvl8pPr marL="3886086" indent="-259072" algn="l" defTabSz="1036290" rtl="0" eaLnBrk="1" latinLnBrk="0" hangingPunct="1">
+              <a:lnSpc>
+                <a:spcPct val="90000"/>
+              </a:lnSpc>
+              <a:spcBef>
+                <a:spcPts val="567"/>
+              </a:spcBef>
+              <a:buFont typeface="Arial" panose="020B0604020202020204" pitchFamily="34" charset="0"/>
+              <a:buChar char="•"/>
+              <a:defRPr sz="2040" kern="1200">
+                <a:solidFill>
+                  <a:schemeClr val="tx1"/>
+                </a:solidFill>
+                <a:latin typeface="+mn-lt"/>
+                <a:ea typeface="+mn-ea"/>
+                <a:cs typeface="+mn-cs"/>
+              </a:defRPr>
+            </a:lvl8pPr>
+            <a:lvl9pPr marL="4404230" indent="-259072" algn="l" defTabSz="1036290" rtl="0" eaLnBrk="1" latinLnBrk="0" hangingPunct="1">
+              <a:lnSpc>
+                <a:spcPct val="90000"/>
+              </a:lnSpc>
+              <a:spcBef>
+                <a:spcPts val="567"/>
+              </a:spcBef>
+              <a:buFont typeface="Arial" panose="020B0604020202020204" pitchFamily="34" charset="0"/>
+              <a:buChar char="•"/>
+              <a:defRPr sz="2040" kern="1200">
+                <a:solidFill>
+                  <a:schemeClr val="tx1"/>
+                </a:solidFill>
+                <a:latin typeface="+mn-lt"/>
+                <a:ea typeface="+mn-ea"/>
+                <a:cs typeface="+mn-cs"/>
+              </a:defRPr>
+            </a:lvl9pPr>
+          </a:lstStyle>
+          <a:p>
+            <a:r>
+              <a:rPr lang="es-ES" sz="2400" dirty="0"/>
+              <a:t>Paso 4: Une el resultado de la parte decimal + el punto + el resultado de la parte flotante</a:t>
+            </a:r>
+            <a:endParaRPr lang="es-CO" sz="2400" dirty="0"/>
+          </a:p>
+        </p:txBody>
+      </p:sp>
+    </p:spTree>
+    <p:extLst>
+      <p:ext uri="{BB962C8B-B14F-4D97-AF65-F5344CB8AC3E}">
+        <p14:creationId xmlns:p14="http://schemas.microsoft.com/office/powerpoint/2010/main" val="3521019429"/>
+      </p:ext>
+    </p:extLst>
+  </p:cSld>
+  <p:clrMapOvr>
+    <a:masterClrMapping/>
+  </p:clrMapOvr>
+</p:sld>
+</file>
+
+<file path=ppt/slides/slide19.xml><?xml version="1.0" encoding="utf-8"?>
+<p:sld xmlns:a="http://schemas.openxmlformats.org/drawingml/2006/main" xmlns:r="http://schemas.openxmlformats.org/officeDocument/2006/relationships" xmlns:p="http://schemas.openxmlformats.org/presentationml/2006/main">
+  <p:cSld>
+    <p:spTree>
+      <p:nvGrpSpPr>
+        <p:cNvPr id="1" name=""/>
+        <p:cNvGrpSpPr/>
+        <p:nvPr/>
+      </p:nvGrpSpPr>
+      <p:grpSpPr>
+        <a:xfrm>
+          <a:off x="0" y="0"/>
+          <a:ext cx="0" cy="0"/>
+          <a:chOff x="0" y="0"/>
+          <a:chExt cx="0" cy="0"/>
+        </a:xfrm>
+      </p:grpSpPr>
+      <p:sp>
+        <p:nvSpPr>
+          <p:cNvPr id="2" name="Título 1">
+            <a:extLst>
+              <a:ext uri="{FF2B5EF4-FFF2-40B4-BE49-F238E27FC236}">
+                <a16:creationId xmlns:a16="http://schemas.microsoft.com/office/drawing/2014/main" id="{00069753-B98A-482C-B21A-89D6DA3E6DB8}"/>
+              </a:ext>
+            </a:extLst>
+          </p:cNvPr>
+          <p:cNvSpPr>
+            <a:spLocks noGrp="1"/>
+          </p:cNvSpPr>
+          <p:nvPr>
+            <p:ph type="title"/>
+          </p:nvPr>
+        </p:nvSpPr>
+        <p:spPr/>
+        <p:txBody>
+          <a:bodyPr/>
+          <a:lstStyle/>
+          <a:p>
+            <a:r>
+              <a:rPr lang="es-ES" sz="5400" dirty="0"/>
+              <a:t>Conversión de flotantes </a:t>
+            </a:r>
+            <a:br>
+              <a:rPr lang="es-ES" sz="4400" dirty="0"/>
+            </a:br>
+            <a:r>
+              <a:rPr lang="es-ES" sz="4400" dirty="0"/>
+              <a:t>Binario-Decimal</a:t>
+            </a:r>
+            <a:endParaRPr lang="es-419" dirty="0"/>
+          </a:p>
+        </p:txBody>
+      </p:sp>
+      <p:sp>
+        <p:nvSpPr>
+          <p:cNvPr id="5" name="Marcador de contenido 2">
+            <a:extLst>
+              <a:ext uri="{FF2B5EF4-FFF2-40B4-BE49-F238E27FC236}">
+                <a16:creationId xmlns:a16="http://schemas.microsoft.com/office/drawing/2014/main" id="{38B4559C-396A-4796-B173-8D1857A7FDEC}"/>
+              </a:ext>
+            </a:extLst>
+          </p:cNvPr>
+          <p:cNvSpPr txBox="1">
+            <a:spLocks/>
+          </p:cNvSpPr>
+          <p:nvPr/>
+        </p:nvSpPr>
+        <p:spPr>
+          <a:xfrm>
+            <a:off x="949960" y="2913993"/>
+            <a:ext cx="11917680" cy="3093267"/>
+          </a:xfrm>
+          <a:prstGeom prst="rect">
+            <a:avLst/>
+          </a:prstGeom>
+        </p:spPr>
+        <p:txBody>
+          <a:bodyPr/>
+          <a:lstStyle>
+            <a:lvl1pPr marL="259072" indent="-259072" algn="l" defTabSz="1036290" rtl="0" eaLnBrk="1" latinLnBrk="0" hangingPunct="1">
+              <a:lnSpc>
+                <a:spcPct val="90000"/>
+              </a:lnSpc>
+              <a:spcBef>
+                <a:spcPts val="1133"/>
+              </a:spcBef>
+              <a:buFont typeface="Arial" panose="020B0604020202020204" pitchFamily="34" charset="0"/>
+              <a:buChar char="•"/>
+              <a:defRPr sz="3173" kern="1200">
+                <a:solidFill>
+                  <a:schemeClr val="tx1"/>
+                </a:solidFill>
+                <a:latin typeface="+mn-lt"/>
+                <a:ea typeface="+mn-ea"/>
+                <a:cs typeface="+mn-cs"/>
+              </a:defRPr>
+            </a:lvl1pPr>
+            <a:lvl2pPr marL="777217" indent="-259072" algn="l" defTabSz="1036290" rtl="0" eaLnBrk="1" latinLnBrk="0" hangingPunct="1">
+              <a:lnSpc>
+                <a:spcPct val="90000"/>
+              </a:lnSpc>
+              <a:spcBef>
+                <a:spcPts val="567"/>
+              </a:spcBef>
+              <a:buFont typeface="Arial" panose="020B0604020202020204" pitchFamily="34" charset="0"/>
+              <a:buChar char="•"/>
+              <a:defRPr sz="2720" kern="1200">
+                <a:solidFill>
+                  <a:schemeClr val="tx1"/>
+                </a:solidFill>
+                <a:latin typeface="+mn-lt"/>
+                <a:ea typeface="+mn-ea"/>
+                <a:cs typeface="+mn-cs"/>
+              </a:defRPr>
+            </a:lvl2pPr>
+            <a:lvl3pPr marL="1295362" indent="-259072" algn="l" defTabSz="1036290" rtl="0" eaLnBrk="1" latinLnBrk="0" hangingPunct="1">
+              <a:lnSpc>
+                <a:spcPct val="90000"/>
+              </a:lnSpc>
+              <a:spcBef>
+                <a:spcPts val="567"/>
+              </a:spcBef>
+              <a:buFont typeface="Arial" panose="020B0604020202020204" pitchFamily="34" charset="0"/>
+              <a:buChar char="•"/>
+              <a:defRPr sz="2267" kern="1200">
+                <a:solidFill>
+                  <a:schemeClr val="tx1"/>
+                </a:solidFill>
+                <a:latin typeface="+mn-lt"/>
+                <a:ea typeface="+mn-ea"/>
+                <a:cs typeface="+mn-cs"/>
+              </a:defRPr>
+            </a:lvl3pPr>
+            <a:lvl4pPr marL="1813507" indent="-259072" algn="l" defTabSz="1036290" rtl="0" eaLnBrk="1" latinLnBrk="0" hangingPunct="1">
+              <a:lnSpc>
+                <a:spcPct val="90000"/>
+              </a:lnSpc>
+              <a:spcBef>
+                <a:spcPts val="567"/>
+              </a:spcBef>
+              <a:buFont typeface="Arial" panose="020B0604020202020204" pitchFamily="34" charset="0"/>
+              <a:buChar char="•"/>
+              <a:defRPr sz="2040" kern="1200">
+                <a:solidFill>
+                  <a:schemeClr val="tx1"/>
+                </a:solidFill>
+                <a:latin typeface="+mn-lt"/>
+                <a:ea typeface="+mn-ea"/>
+                <a:cs typeface="+mn-cs"/>
+              </a:defRPr>
+            </a:lvl4pPr>
+            <a:lvl5pPr marL="2331651" indent="-259072" algn="l" defTabSz="1036290" rtl="0" eaLnBrk="1" latinLnBrk="0" hangingPunct="1">
+              <a:lnSpc>
+                <a:spcPct val="90000"/>
+              </a:lnSpc>
+              <a:spcBef>
+                <a:spcPts val="567"/>
+              </a:spcBef>
+              <a:buFont typeface="Arial" panose="020B0604020202020204" pitchFamily="34" charset="0"/>
+              <a:buChar char="•"/>
+              <a:defRPr sz="2040" kern="1200">
+                <a:solidFill>
+                  <a:schemeClr val="tx1"/>
+                </a:solidFill>
+                <a:latin typeface="+mn-lt"/>
+                <a:ea typeface="+mn-ea"/>
+                <a:cs typeface="+mn-cs"/>
+              </a:defRPr>
+            </a:lvl5pPr>
+            <a:lvl6pPr marL="2849796" indent="-259072" algn="l" defTabSz="1036290" rtl="0" eaLnBrk="1" latinLnBrk="0" hangingPunct="1">
+              <a:lnSpc>
+                <a:spcPct val="90000"/>
+              </a:lnSpc>
+              <a:spcBef>
+                <a:spcPts val="567"/>
+              </a:spcBef>
+              <a:buFont typeface="Arial" panose="020B0604020202020204" pitchFamily="34" charset="0"/>
+              <a:buChar char="•"/>
+              <a:defRPr sz="2040" kern="1200">
+                <a:solidFill>
+                  <a:schemeClr val="tx1"/>
+                </a:solidFill>
+                <a:latin typeface="+mn-lt"/>
+                <a:ea typeface="+mn-ea"/>
+                <a:cs typeface="+mn-cs"/>
+              </a:defRPr>
+            </a:lvl6pPr>
+            <a:lvl7pPr marL="3367941" indent="-259072" algn="l" defTabSz="1036290" rtl="0" eaLnBrk="1" latinLnBrk="0" hangingPunct="1">
+              <a:lnSpc>
+                <a:spcPct val="90000"/>
+              </a:lnSpc>
+              <a:spcBef>
+                <a:spcPts val="567"/>
+              </a:spcBef>
+              <a:buFont typeface="Arial" panose="020B0604020202020204" pitchFamily="34" charset="0"/>
+              <a:buChar char="•"/>
+              <a:defRPr sz="2040" kern="1200">
+                <a:solidFill>
+                  <a:schemeClr val="tx1"/>
+                </a:solidFill>
+                <a:latin typeface="+mn-lt"/>
+                <a:ea typeface="+mn-ea"/>
+                <a:cs typeface="+mn-cs"/>
+              </a:defRPr>
+            </a:lvl7pPr>
+            <a:lvl8pPr marL="3886086" indent="-259072" algn="l" defTabSz="1036290" rtl="0" eaLnBrk="1" latinLnBrk="0" hangingPunct="1">
+              <a:lnSpc>
+                <a:spcPct val="90000"/>
+              </a:lnSpc>
+              <a:spcBef>
+                <a:spcPts val="567"/>
+              </a:spcBef>
+              <a:buFont typeface="Arial" panose="020B0604020202020204" pitchFamily="34" charset="0"/>
+              <a:buChar char="•"/>
+              <a:defRPr sz="2040" kern="1200">
+                <a:solidFill>
+                  <a:schemeClr val="tx1"/>
+                </a:solidFill>
+                <a:latin typeface="+mn-lt"/>
+                <a:ea typeface="+mn-ea"/>
+                <a:cs typeface="+mn-cs"/>
+              </a:defRPr>
+            </a:lvl8pPr>
+            <a:lvl9pPr marL="4404230" indent="-259072" algn="l" defTabSz="1036290" rtl="0" eaLnBrk="1" latinLnBrk="0" hangingPunct="1">
+              <a:lnSpc>
+                <a:spcPct val="90000"/>
+              </a:lnSpc>
+              <a:spcBef>
+                <a:spcPts val="567"/>
+              </a:spcBef>
+              <a:buFont typeface="Arial" panose="020B0604020202020204" pitchFamily="34" charset="0"/>
+              <a:buChar char="•"/>
+              <a:defRPr sz="2040" kern="1200">
+                <a:solidFill>
+                  <a:schemeClr val="tx1"/>
+                </a:solidFill>
+                <a:latin typeface="+mn-lt"/>
+                <a:ea typeface="+mn-ea"/>
+                <a:cs typeface="+mn-cs"/>
+              </a:defRPr>
+            </a:lvl9pPr>
+          </a:lstStyle>
+          <a:p>
+            <a:r>
+              <a:rPr lang="es-419" sz="2800" dirty="0"/>
+              <a:t>Convierte </a:t>
+            </a:r>
+            <a:r>
+              <a:rPr lang="es-419" sz="2800" b="1" dirty="0">
+                <a:highlight>
+                  <a:srgbClr val="FFFF00"/>
+                </a:highlight>
+              </a:rPr>
+              <a:t>101.011₂</a:t>
+            </a:r>
+            <a:r>
+              <a:rPr lang="es-419" sz="2800" dirty="0"/>
+              <a:t> a decimal</a:t>
+            </a:r>
+          </a:p>
+          <a:p>
+            <a:r>
+              <a:rPr lang="es-ES" sz="2800" dirty="0"/>
+              <a:t>Paso 1: Separa las partes:  Parte entera: </a:t>
+            </a:r>
+            <a:r>
+              <a:rPr lang="es-ES" sz="2800" dirty="0">
+                <a:highlight>
+                  <a:srgbClr val="C0C0C0"/>
+                </a:highlight>
+              </a:rPr>
+              <a:t>101</a:t>
+            </a:r>
+            <a:r>
+              <a:rPr lang="es-ES" sz="2800" dirty="0"/>
+              <a:t>   |  Parte Flotante: </a:t>
+            </a:r>
+            <a:r>
+              <a:rPr lang="es-ES" sz="2800" dirty="0">
+                <a:highlight>
+                  <a:srgbClr val="C0C0C0"/>
+                </a:highlight>
+              </a:rPr>
+              <a:t>.011</a:t>
+            </a:r>
+          </a:p>
+          <a:p>
+            <a:r>
+              <a:rPr lang="es-CO" sz="2800" dirty="0"/>
+              <a:t>Paso 2: Convierte la parte entera </a:t>
+            </a:r>
+            <a:r>
+              <a:rPr lang="es-CO" sz="2800" dirty="0">
+                <a:sym typeface="Wingdings" panose="05000000000000000000" pitchFamily="2" charset="2"/>
+              </a:rPr>
+              <a:t> 5</a:t>
+            </a:r>
+            <a:r>
+              <a:rPr lang="es-419" sz="2800" b="1" baseline="-25000" dirty="0"/>
+              <a:t>10 </a:t>
+            </a:r>
+          </a:p>
+          <a:p>
+            <a:r>
+              <a:rPr lang="es-419" sz="2800" dirty="0"/>
+              <a:t>Paso 3: Convierte la parte flotante -&gt; 0 + 0.25 + 0.125 = 0.375</a:t>
+            </a:r>
+          </a:p>
+          <a:p>
+            <a:r>
+              <a:rPr lang="es-419" sz="2800" dirty="0"/>
+              <a:t>Paso 4: </a:t>
+            </a:r>
+            <a:r>
+              <a:rPr lang="es-ES" sz="2800" dirty="0"/>
+              <a:t>Combina las partes </a:t>
+            </a:r>
+            <a:r>
+              <a:rPr lang="es-ES" sz="2800" dirty="0">
+                <a:sym typeface="Wingdings" panose="05000000000000000000" pitchFamily="2" charset="2"/>
+              </a:rPr>
+              <a:t> </a:t>
+            </a:r>
+            <a:r>
+              <a:rPr lang="es-ES" sz="2800" dirty="0"/>
+              <a:t>5 (entera) + 0.375 (flotante) = 5.375₁₀</a:t>
+            </a:r>
+            <a:endParaRPr lang="es-419" sz="2800" dirty="0"/>
+          </a:p>
+        </p:txBody>
+      </p:sp>
+    </p:spTree>
+    <p:extLst>
+      <p:ext uri="{BB962C8B-B14F-4D97-AF65-F5344CB8AC3E}">
+        <p14:creationId xmlns:p14="http://schemas.microsoft.com/office/powerpoint/2010/main" val="1496360105"/>
+      </p:ext>
+    </p:extLst>
+  </p:cSld>
+  <p:clrMapOvr>
+    <a:masterClrMapping/>
+  </p:clrMapOvr>
+</p:sld>
+</file>
+
+<file path=ppt/slides/slide2.xml><?xml version="1.0" encoding="utf-8"?>
+<p:sld xmlns:a="http://schemas.openxmlformats.org/drawingml/2006/main" xmlns:r="http://schemas.openxmlformats.org/officeDocument/2006/relationships" xmlns:p="http://schemas.openxmlformats.org/presentationml/2006/main">
+  <p:cSld>
+    <p:spTree>
+      <p:nvGrpSpPr>
+        <p:cNvPr id="1" name=""/>
+        <p:cNvGrpSpPr/>
+        <p:nvPr/>
+      </p:nvGrpSpPr>
+      <p:grpSpPr>
+        <a:xfrm>
+          <a:off x="0" y="0"/>
+          <a:ext cx="0" cy="0"/>
+          <a:chOff x="0" y="0"/>
+          <a:chExt cx="0" cy="0"/>
+        </a:xfrm>
+      </p:grpSpPr>
+      <p:sp>
+        <p:nvSpPr>
+          <p:cNvPr id="5" name="1 Título"/>
+          <p:cNvSpPr txBox="1">
+            <a:spLocks/>
+          </p:cNvSpPr>
+          <p:nvPr/>
+        </p:nvSpPr>
+        <p:spPr>
+          <a:xfrm>
+            <a:off x="4331368" y="4434664"/>
+            <a:ext cx="7283670" cy="1502305"/>
+          </a:xfrm>
+          <a:prstGeom prst="rect">
+            <a:avLst/>
+          </a:prstGeom>
+        </p:spPr>
+        <p:txBody>
+          <a:bodyPr vert="horz" lIns="91440" tIns="45720" rIns="91440" bIns="45720" rtlCol="0" anchor="ctr">
+            <a:normAutofit fontScale="70000" lnSpcReduction="20000"/>
+          </a:bodyPr>
+          <a:lstStyle>
+            <a:lvl1pPr algn="l" defTabSz="1036290" rtl="0" eaLnBrk="1" latinLnBrk="0" hangingPunct="1">
+              <a:lnSpc>
+                <a:spcPct val="90000"/>
+              </a:lnSpc>
+              <a:spcBef>
+                <a:spcPct val="0"/>
+              </a:spcBef>
+              <a:buNone/>
+              <a:defRPr sz="4987" kern="1200">
+                <a:solidFill>
+                  <a:schemeClr val="tx1"/>
+                </a:solidFill>
+                <a:latin typeface="+mj-lt"/>
+                <a:ea typeface="+mj-ea"/>
+                <a:cs typeface="+mj-cs"/>
+              </a:defRPr>
+            </a:lvl1pPr>
+          </a:lstStyle>
+          <a:p>
+            <a:pPr algn="r"/>
+            <a:r>
+              <a:rPr lang="es-CO" dirty="0"/>
+              <a:t>Introducción a la ingeniería de sistemas e informática</a:t>
+            </a:r>
+          </a:p>
+          <a:p>
+            <a:pPr algn="r"/>
+            <a:endParaRPr lang="es-CO" sz="3800" dirty="0"/>
+          </a:p>
+          <a:p>
+            <a:pPr algn="r"/>
+            <a:r>
+              <a:rPr lang="es-CO" sz="3800" dirty="0"/>
+              <a:t>Representaciones</a:t>
+            </a:r>
+          </a:p>
+        </p:txBody>
+      </p:sp>
+      <p:sp>
+        <p:nvSpPr>
+          <p:cNvPr id="6" name="5 CuadroTexto"/>
+          <p:cNvSpPr txBox="1"/>
+          <p:nvPr/>
+        </p:nvSpPr>
+        <p:spPr>
+          <a:xfrm>
+            <a:off x="8655486" y="5812077"/>
+            <a:ext cx="2885085" cy="646331"/>
+          </a:xfrm>
+          <a:prstGeom prst="rect">
+            <a:avLst/>
+          </a:prstGeom>
+          <a:noFill/>
+        </p:spPr>
+        <p:txBody>
+          <a:bodyPr wrap="none" rtlCol="0">
+            <a:spAutoFit/>
+          </a:bodyPr>
+          <a:lstStyle/>
+          <a:p>
+            <a:pPr algn="r"/>
+            <a:r>
+              <a:rPr lang="es-CO" dirty="0"/>
+              <a:t>César Augusto López Gallego</a:t>
+            </a:r>
+          </a:p>
+          <a:p>
+            <a:pPr algn="r"/>
+            <a:r>
+              <a:rPr lang="es-CO" dirty="0"/>
+              <a:t>2018</a:t>
+            </a:r>
+          </a:p>
+        </p:txBody>
+      </p:sp>
+      <p:pic>
+        <p:nvPicPr>
+          <p:cNvPr id="2" name="Imagen 1"/>
+          <p:cNvPicPr>
+            <a:picLocks noChangeAspect="1"/>
+          </p:cNvPicPr>
+          <p:nvPr/>
+        </p:nvPicPr>
+        <p:blipFill>
+          <a:blip r:embed="rId2"/>
+          <a:stretch>
+            <a:fillRect/>
+          </a:stretch>
+        </p:blipFill>
+        <p:spPr>
+          <a:xfrm>
+            <a:off x="3266325" y="1040895"/>
+            <a:ext cx="5895277" cy="3142909"/>
+          </a:xfrm>
+          <a:prstGeom prst="rect">
+            <a:avLst/>
+          </a:prstGeom>
+        </p:spPr>
+      </p:pic>
+    </p:spTree>
+    <p:extLst>
+      <p:ext uri="{BB962C8B-B14F-4D97-AF65-F5344CB8AC3E}">
+        <p14:creationId xmlns:p14="http://schemas.microsoft.com/office/powerpoint/2010/main" val="2729201168"/>
+      </p:ext>
+    </p:extLst>
+  </p:cSld>
+  <p:clrMapOvr>
+    <a:masterClrMapping/>
+  </p:clrMapOvr>
+</p:sld>
+</file>
+
+<file path=ppt/slides/slide20.xml><?xml version="1.0" encoding="utf-8"?>
+<p:sld xmlns:a="http://schemas.openxmlformats.org/drawingml/2006/main" xmlns:r="http://schemas.openxmlformats.org/officeDocument/2006/relationships" xmlns:p="http://schemas.openxmlformats.org/presentationml/2006/main">
+  <p:cSld>
+    <p:spTree>
+      <p:nvGrpSpPr>
+        <p:cNvPr id="1" name=""/>
+        <p:cNvGrpSpPr/>
+        <p:nvPr/>
+      </p:nvGrpSpPr>
+      <p:grpSpPr>
+        <a:xfrm>
+          <a:off x="0" y="0"/>
+          <a:ext cx="0" cy="0"/>
+          <a:chOff x="0" y="0"/>
+          <a:chExt cx="0" cy="0"/>
+        </a:xfrm>
+      </p:grpSpPr>
+      <p:sp>
+        <p:nvSpPr>
+          <p:cNvPr id="2" name="Título 1">
+            <a:extLst>
+              <a:ext uri="{FF2B5EF4-FFF2-40B4-BE49-F238E27FC236}">
+                <a16:creationId xmlns:a16="http://schemas.microsoft.com/office/drawing/2014/main" id="{3B3CDD13-B2A3-4FFA-A1BC-418E0EF5FED5}"/>
+              </a:ext>
+            </a:extLst>
+          </p:cNvPr>
+          <p:cNvSpPr>
+            <a:spLocks noGrp="1"/>
+          </p:cNvSpPr>
+          <p:nvPr>
+            <p:ph type="title"/>
+          </p:nvPr>
+        </p:nvSpPr>
+        <p:spPr/>
+        <p:txBody>
+          <a:bodyPr/>
+          <a:lstStyle/>
+          <a:p>
+            <a:r>
+              <a:rPr lang="es-ES" dirty="0"/>
+              <a:t>Ejercicio en Clase 2ª Parte</a:t>
+            </a:r>
+            <a:endParaRPr lang="es-419" dirty="0"/>
+          </a:p>
+        </p:txBody>
+      </p:sp>
+      <p:sp>
+        <p:nvSpPr>
+          <p:cNvPr id="7" name="CuadroTexto 6">
+            <a:extLst>
+              <a:ext uri="{FF2B5EF4-FFF2-40B4-BE49-F238E27FC236}">
+                <a16:creationId xmlns:a16="http://schemas.microsoft.com/office/drawing/2014/main" id="{9FFF7D3F-3020-4C5E-8D55-B1934B178870}"/>
+              </a:ext>
+            </a:extLst>
+          </p:cNvPr>
+          <p:cNvSpPr txBox="1"/>
+          <p:nvPr/>
+        </p:nvSpPr>
+        <p:spPr>
+          <a:xfrm>
+            <a:off x="1585732" y="2407534"/>
+            <a:ext cx="10035250" cy="923330"/>
+          </a:xfrm>
+          <a:prstGeom prst="rect">
+            <a:avLst/>
+          </a:prstGeom>
+          <a:noFill/>
+        </p:spPr>
+        <p:txBody>
+          <a:bodyPr wrap="square">
+            <a:spAutoFit/>
+          </a:bodyPr>
+          <a:lstStyle/>
+          <a:p>
+            <a:r>
+              <a:rPr lang="es-ES" dirty="0"/>
+              <a:t>🔢 5. Conversión decimal con fracción → binario Convierte el número decimal 13.625₁₀ a binario</a:t>
+            </a:r>
+          </a:p>
+          <a:p>
+            <a:endParaRPr lang="es-ES" dirty="0"/>
+          </a:p>
+          <a:p>
+            <a:r>
+              <a:rPr lang="es-ES" dirty="0"/>
+              <a:t>🔢 6. Conversión binario con fracción → decimal Convierte el número binario 1101.101₂ a decimal.</a:t>
+            </a:r>
+            <a:endParaRPr lang="es-419" dirty="0"/>
+          </a:p>
+        </p:txBody>
+      </p:sp>
+    </p:spTree>
+    <p:extLst>
+      <p:ext uri="{BB962C8B-B14F-4D97-AF65-F5344CB8AC3E}">
+        <p14:creationId xmlns:p14="http://schemas.microsoft.com/office/powerpoint/2010/main" val="1368047995"/>
+      </p:ext>
+    </p:extLst>
+  </p:cSld>
+  <p:clrMapOvr>
+    <a:masterClrMapping/>
+  </p:clrMapOvr>
+</p:sld>
+</file>
+
+<file path=ppt/slides/slide21.xml><?xml version="1.0" encoding="utf-8"?>
+<p:sld xmlns:a="http://schemas.openxmlformats.org/drawingml/2006/main" xmlns:r="http://schemas.openxmlformats.org/officeDocument/2006/relationships" xmlns:p="http://schemas.openxmlformats.org/presentationml/2006/main">
+  <p:cSld>
+    <p:spTree>
+      <p:nvGrpSpPr>
+        <p:cNvPr id="1" name=""/>
+        <p:cNvGrpSpPr/>
+        <p:nvPr/>
+      </p:nvGrpSpPr>
+      <p:grpSpPr>
+        <a:xfrm>
+          <a:off x="0" y="0"/>
+          <a:ext cx="0" cy="0"/>
+          <a:chOff x="0" y="0"/>
+          <a:chExt cx="0" cy="0"/>
+        </a:xfrm>
+      </p:grpSpPr>
+      <p:sp>
+        <p:nvSpPr>
           <p:cNvPr id="2" name="Título 1"/>
           <p:cNvSpPr>
             <a:spLocks noGrp="1"/>
@@ -7517,7 +9690,7 @@
 </p:sld>
 </file>
 
-<file path=ppt/slides/slide18.xml><?xml version="1.0" encoding="utf-8"?>
+<file path=ppt/slides/slide22.xml><?xml version="1.0" encoding="utf-8"?>
 <p:sld xmlns:a="http://schemas.openxmlformats.org/drawingml/2006/main" xmlns:r="http://schemas.openxmlformats.org/officeDocument/2006/relationships" xmlns:p="http://schemas.openxmlformats.org/presentationml/2006/main">
   <p:cSld>
     <p:spTree>
@@ -7875,7 +10048,7 @@
 </p:sld>
 </file>
 
-<file path=ppt/slides/slide19.xml><?xml version="1.0" encoding="utf-8"?>
+<file path=ppt/slides/slide23.xml><?xml version="1.0" encoding="utf-8"?>
 <p:sld xmlns:a="http://schemas.openxmlformats.org/drawingml/2006/main" xmlns:r="http://schemas.openxmlformats.org/officeDocument/2006/relationships" xmlns:p="http://schemas.openxmlformats.org/presentationml/2006/main">
   <p:cSld>
     <p:spTree>
@@ -8015,158 +10188,7 @@
 </p:sld>
 </file>
 
-<file path=ppt/slides/slide2.xml><?xml version="1.0" encoding="utf-8"?>
-<p:sld xmlns:a="http://schemas.openxmlformats.org/drawingml/2006/main" xmlns:r="http://schemas.openxmlformats.org/officeDocument/2006/relationships" xmlns:p="http://schemas.openxmlformats.org/presentationml/2006/main">
-  <p:cSld>
-    <p:spTree>
-      <p:nvGrpSpPr>
-        <p:cNvPr id="1" name=""/>
-        <p:cNvGrpSpPr/>
-        <p:nvPr/>
-      </p:nvGrpSpPr>
-      <p:grpSpPr>
-        <a:xfrm>
-          <a:off x="0" y="0"/>
-          <a:ext cx="0" cy="0"/>
-          <a:chOff x="0" y="0"/>
-          <a:chExt cx="0" cy="0"/>
-        </a:xfrm>
-      </p:grpSpPr>
-      <p:sp>
-        <p:nvSpPr>
-          <p:cNvPr id="5" name="1 Título"/>
-          <p:cNvSpPr txBox="1">
-            <a:spLocks/>
-          </p:cNvSpPr>
-          <p:nvPr/>
-        </p:nvSpPr>
-        <p:spPr>
-          <a:xfrm>
-            <a:off x="4331368" y="4434664"/>
-            <a:ext cx="7283670" cy="1502305"/>
-          </a:xfrm>
-          <a:prstGeom prst="rect">
-            <a:avLst/>
-          </a:prstGeom>
-        </p:spPr>
-        <p:txBody>
-          <a:bodyPr vert="horz" lIns="91440" tIns="45720" rIns="91440" bIns="45720" rtlCol="0" anchor="ctr">
-            <a:normAutofit fontScale="70000" lnSpcReduction="20000"/>
-          </a:bodyPr>
-          <a:lstStyle>
-            <a:lvl1pPr algn="l" defTabSz="1036290" rtl="0" eaLnBrk="1" latinLnBrk="0" hangingPunct="1">
-              <a:lnSpc>
-                <a:spcPct val="90000"/>
-              </a:lnSpc>
-              <a:spcBef>
-                <a:spcPct val="0"/>
-              </a:spcBef>
-              <a:buNone/>
-              <a:defRPr sz="4987" kern="1200">
-                <a:solidFill>
-                  <a:schemeClr val="tx1"/>
-                </a:solidFill>
-                <a:latin typeface="+mj-lt"/>
-                <a:ea typeface="+mj-ea"/>
-                <a:cs typeface="+mj-cs"/>
-              </a:defRPr>
-            </a:lvl1pPr>
-          </a:lstStyle>
-          <a:p>
-            <a:pPr algn="r"/>
-            <a:r>
-              <a:rPr lang="es-CO" dirty="0"/>
-              <a:t>Introducción a la ingeniería de sistemas e informática</a:t>
-            </a:r>
-          </a:p>
-          <a:p>
-            <a:pPr algn="r"/>
-            <a:endParaRPr lang="es-CO" sz="3800" dirty="0"/>
-          </a:p>
-          <a:p>
-            <a:pPr algn="r"/>
-            <a:r>
-              <a:rPr lang="es-CO" sz="3800" dirty="0"/>
-              <a:t>Representaciones</a:t>
-            </a:r>
-          </a:p>
-        </p:txBody>
-      </p:sp>
-      <p:sp>
-        <p:nvSpPr>
-          <p:cNvPr id="6" name="5 CuadroTexto"/>
-          <p:cNvSpPr txBox="1"/>
-          <p:nvPr/>
-        </p:nvSpPr>
-        <p:spPr>
-          <a:xfrm>
-            <a:off x="8655486" y="5812077"/>
-            <a:ext cx="2885085" cy="646331"/>
-          </a:xfrm>
-          <a:prstGeom prst="rect">
-            <a:avLst/>
-          </a:prstGeom>
-          <a:noFill/>
-        </p:spPr>
-        <p:txBody>
-          <a:bodyPr wrap="none" rtlCol="0">
-            <a:spAutoFit/>
-          </a:bodyPr>
-          <a:lstStyle/>
-          <a:p>
-            <a:pPr algn="r"/>
-            <a:r>
-              <a:rPr lang="es-CO" dirty="0"/>
-              <a:t>César Augusto López Gallego</a:t>
-            </a:r>
-          </a:p>
-          <a:p>
-            <a:pPr algn="r"/>
-            <a:r>
-              <a:rPr lang="es-CO" dirty="0"/>
-              <a:t>2018</a:t>
-            </a:r>
-          </a:p>
-        </p:txBody>
-      </p:sp>
-      <p:pic>
-        <p:nvPicPr>
-          <p:cNvPr id="2" name="Imagen 1"/>
-          <p:cNvPicPr>
-            <a:picLocks noChangeAspect="1"/>
-          </p:cNvPicPr>
-          <p:nvPr/>
-        </p:nvPicPr>
-        <p:blipFill>
-          <a:blip r:embed="rId2"/>
-          <a:stretch>
-            <a:fillRect/>
-          </a:stretch>
-        </p:blipFill>
-        <p:spPr>
-          <a:xfrm>
-            <a:off x="3266325" y="1040895"/>
-            <a:ext cx="5895277" cy="3142909"/>
-          </a:xfrm>
-          <a:prstGeom prst="rect">
-            <a:avLst/>
-          </a:prstGeom>
-        </p:spPr>
-      </p:pic>
-    </p:spTree>
-    <p:extLst>
-      <p:ext uri="{BB962C8B-B14F-4D97-AF65-F5344CB8AC3E}">
-        <p14:creationId xmlns:p14="http://schemas.microsoft.com/office/powerpoint/2010/main" val="2729201168"/>
-      </p:ext>
-    </p:extLst>
-  </p:cSld>
-  <p:clrMapOvr>
-    <a:masterClrMapping/>
-  </p:clrMapOvr>
-</p:sld>
-</file>
-
-<file path=ppt/slides/slide20.xml><?xml version="1.0" encoding="utf-8"?>
+<file path=ppt/slides/slide24.xml><?xml version="1.0" encoding="utf-8"?>
 <p:sld xmlns:a="http://schemas.openxmlformats.org/drawingml/2006/main" xmlns:r="http://schemas.openxmlformats.org/officeDocument/2006/relationships" xmlns:p="http://schemas.openxmlformats.org/presentationml/2006/main">
   <p:cSld>
     <p:spTree>
@@ -8733,7 +10755,7 @@
 </p:sld>
 </file>
 
-<file path=ppt/slides/slide21.xml><?xml version="1.0" encoding="utf-8"?>
+<file path=ppt/slides/slide25.xml><?xml version="1.0" encoding="utf-8"?>
 <p:sld xmlns:a="http://schemas.openxmlformats.org/drawingml/2006/main" xmlns:r="http://schemas.openxmlformats.org/officeDocument/2006/relationships" xmlns:p="http://schemas.openxmlformats.org/presentationml/2006/main">
   <p:cSld>
     <p:spTree>
@@ -8830,7 +10852,7 @@
 </p:sld>
 </file>
 
-<file path=ppt/slides/slide22.xml><?xml version="1.0" encoding="utf-8"?>
+<file path=ppt/slides/slide26.xml><?xml version="1.0" encoding="utf-8"?>
 <p:sld xmlns:a="http://schemas.openxmlformats.org/drawingml/2006/main" xmlns:r="http://schemas.openxmlformats.org/officeDocument/2006/relationships" xmlns:p="http://schemas.openxmlformats.org/presentationml/2006/main">
   <p:cSld>
     <p:spTree>
@@ -8949,7 +10971,7 @@
 </p:sld>
 </file>
 
-<file path=ppt/slides/slide23.xml><?xml version="1.0" encoding="utf-8"?>
+<file path=ppt/slides/slide27.xml><?xml version="1.0" encoding="utf-8"?>
 <p:sld xmlns:a="http://schemas.openxmlformats.org/drawingml/2006/main" xmlns:r="http://schemas.openxmlformats.org/officeDocument/2006/relationships" xmlns:p="http://schemas.openxmlformats.org/presentationml/2006/main">
   <p:cSld>
     <p:spTree>
@@ -9082,7 +11104,7 @@
 </p:sld>
 </file>
 
-<file path=ppt/slides/slide24.xml><?xml version="1.0" encoding="utf-8"?>
+<file path=ppt/slides/slide28.xml><?xml version="1.0" encoding="utf-8"?>
 <p:sld xmlns:a="http://schemas.openxmlformats.org/drawingml/2006/main" xmlns:r="http://schemas.openxmlformats.org/officeDocument/2006/relationships" xmlns:p="http://schemas.openxmlformats.org/presentationml/2006/main">
   <p:cSld>
     <p:spTree>
@@ -9434,7 +11456,7 @@
 </p:sld>
 </file>
 
-<file path=ppt/slides/slide25.xml><?xml version="1.0" encoding="utf-8"?>
+<file path=ppt/slides/slide29.xml><?xml version="1.0" encoding="utf-8"?>
 <p:sld xmlns:a="http://schemas.openxmlformats.org/drawingml/2006/main" xmlns:r="http://schemas.openxmlformats.org/officeDocument/2006/relationships" xmlns:p="http://schemas.openxmlformats.org/presentationml/2006/main">
   <p:cSld>
     <p:spTree>
@@ -9841,7 +11863,7 @@
 </p:sld>
 </file>
 
-<file path=ppt/slides/slide26.xml><?xml version="1.0" encoding="utf-8"?>
+<file path=ppt/slides/slide3.xml><?xml version="1.0" encoding="utf-8"?>
 <p:sld xmlns:a="http://schemas.openxmlformats.org/drawingml/2006/main" xmlns:r="http://schemas.openxmlformats.org/officeDocument/2006/relationships" xmlns:p="http://schemas.openxmlformats.org/presentationml/2006/main">
   <p:cSld>
     <p:spTree>
@@ -9875,7 +11897,7 @@
           <a:p>
             <a:r>
               <a:rPr lang="es-ES_tradnl" dirty="0"/>
-              <a:t>Representación de Enteros</a:t>
+              <a:t>Aspectos fundamentales</a:t>
             </a:r>
             <a:endParaRPr lang="en-US" dirty="0"/>
           </a:p>
@@ -9893,6 +11915,132 @@
         </p:nvSpPr>
         <p:spPr>
           <a:xfrm>
+            <a:off x="6665911" y="1781161"/>
+            <a:ext cx="4906329" cy="5129425"/>
+          </a:xfrm>
+        </p:spPr>
+        <p:txBody>
+          <a:bodyPr>
+            <a:normAutofit/>
+          </a:bodyPr>
+          <a:lstStyle/>
+          <a:p>
+            <a:r>
+              <a:rPr lang="es-ES_tradnl" dirty="0"/>
+              <a:t>Forma de representar los números (binario)</a:t>
+            </a:r>
+          </a:p>
+          <a:p>
+            <a:r>
+              <a:rPr lang="es-ES_tradnl" dirty="0"/>
+              <a:t>Algoritmos para realizar las operaciones aritméticas básicas</a:t>
+            </a:r>
+          </a:p>
+          <a:p>
+            <a:r>
+              <a:rPr lang="es-ES_tradnl" dirty="0"/>
+              <a:t>IEEE 574 para representación de números y aritmética en coma flotante, en 32 bit y 64bit</a:t>
+            </a:r>
+          </a:p>
+          <a:p>
+            <a:pPr>
+              <a:buNone/>
+            </a:pPr>
+            <a:endParaRPr lang="en-US" dirty="0"/>
+          </a:p>
+        </p:txBody>
+      </p:sp>
+      <p:pic>
+        <p:nvPicPr>
+          <p:cNvPr id="32770" name="Picture 2" descr="binario2(3)"/>
+          <p:cNvPicPr>
+            <a:picLocks noChangeAspect="1" noChangeArrowheads="1"/>
+          </p:cNvPicPr>
+          <p:nvPr/>
+        </p:nvPicPr>
+        <p:blipFill>
+          <a:blip r:embed="rId2" cstate="print"/>
+          <a:srcRect/>
+          <a:stretch>
+            <a:fillRect/>
+          </a:stretch>
+        </p:blipFill>
+        <p:spPr bwMode="auto">
+          <a:xfrm>
+            <a:off x="2293905" y="2266939"/>
+            <a:ext cx="4187680" cy="3481412"/>
+          </a:xfrm>
+          <a:prstGeom prst="rect">
+            <a:avLst/>
+          </a:prstGeom>
+          <a:noFill/>
+        </p:spPr>
+      </p:pic>
+    </p:spTree>
+    <p:extLst>
+      <p:ext uri="{BB962C8B-B14F-4D97-AF65-F5344CB8AC3E}">
+        <p14:creationId xmlns:p14="http://schemas.microsoft.com/office/powerpoint/2010/main" val="2388122018"/>
+      </p:ext>
+    </p:extLst>
+  </p:cSld>
+  <p:clrMapOvr>
+    <a:masterClrMapping/>
+  </p:clrMapOvr>
+</p:sld>
+</file>
+
+<file path=ppt/slides/slide30.xml><?xml version="1.0" encoding="utf-8"?>
+<p:sld xmlns:a="http://schemas.openxmlformats.org/drawingml/2006/main" xmlns:r="http://schemas.openxmlformats.org/officeDocument/2006/relationships" xmlns:p="http://schemas.openxmlformats.org/presentationml/2006/main">
+  <p:cSld>
+    <p:spTree>
+      <p:nvGrpSpPr>
+        <p:cNvPr id="1" name=""/>
+        <p:cNvGrpSpPr/>
+        <p:nvPr/>
+      </p:nvGrpSpPr>
+      <p:grpSpPr>
+        <a:xfrm>
+          <a:off x="0" y="0"/>
+          <a:ext cx="0" cy="0"/>
+          <a:chOff x="0" y="0"/>
+          <a:chExt cx="0" cy="0"/>
+        </a:xfrm>
+      </p:grpSpPr>
+      <p:sp>
+        <p:nvSpPr>
+          <p:cNvPr id="2" name="1 Título"/>
+          <p:cNvSpPr>
+            <a:spLocks noGrp="1"/>
+          </p:cNvSpPr>
+          <p:nvPr>
+            <p:ph type="title"/>
+          </p:nvPr>
+        </p:nvSpPr>
+        <p:spPr/>
+        <p:txBody>
+          <a:bodyPr/>
+          <a:lstStyle/>
+          <a:p>
+            <a:r>
+              <a:rPr lang="es-ES_tradnl" dirty="0"/>
+              <a:t>Representación de Enteros</a:t>
+            </a:r>
+            <a:endParaRPr lang="en-US" dirty="0"/>
+          </a:p>
+        </p:txBody>
+      </p:sp>
+      <p:sp>
+        <p:nvSpPr>
+          <p:cNvPr id="3" name="2 Marcador de contenido"/>
+          <p:cNvSpPr>
+            <a:spLocks noGrp="1"/>
+          </p:cNvSpPr>
+          <p:nvPr>
+            <p:ph idx="1"/>
+          </p:nvPr>
+        </p:nvSpPr>
+        <p:spPr>
+          <a:xfrm>
             <a:off x="2245360" y="1813561"/>
             <a:ext cx="9326880" cy="3449012"/>
           </a:xfrm>
@@ -9944,9 +12092,7 @@
           <p:cNvGraphicFramePr>
             <a:graphicFrameLocks noGrp="1"/>
           </p:cNvGraphicFramePr>
-          <p:nvPr>
-            <p:extLst/>
-          </p:nvPr>
+          <p:nvPr/>
         </p:nvGraphicFramePr>
         <p:xfrm>
           <a:off x="3091449" y="4483489"/>
@@ -10391,7 +12537,7 @@
 </p:sld>
 </file>
 
-<file path=ppt/slides/slide27.xml><?xml version="1.0" encoding="utf-8"?>
+<file path=ppt/slides/slide31.xml><?xml version="1.0" encoding="utf-8"?>
 <p:sld xmlns:a="http://schemas.openxmlformats.org/drawingml/2006/main" xmlns:r="http://schemas.openxmlformats.org/officeDocument/2006/relationships" xmlns:p="http://schemas.openxmlformats.org/presentationml/2006/main">
   <p:cSld>
     <p:spTree>
@@ -11131,7 +13277,7 @@
 </p:sld>
 </file>
 
-<file path=ppt/slides/slide28.xml><?xml version="1.0" encoding="utf-8"?>
+<file path=ppt/slides/slide32.xml><?xml version="1.0" encoding="utf-8"?>
 <p:sld xmlns:a="http://schemas.openxmlformats.org/drawingml/2006/main" xmlns:r="http://schemas.openxmlformats.org/officeDocument/2006/relationships" xmlns:p="http://schemas.openxmlformats.org/presentationml/2006/main">
   <p:cSld>
     <p:spTree>
@@ -11235,7 +13381,7 @@
 </p:sld>
 </file>
 
-<file path=ppt/slides/slide29.xml><?xml version="1.0" encoding="utf-8"?>
+<file path=ppt/slides/slide33.xml><?xml version="1.0" encoding="utf-8"?>
 <p:sld xmlns:a="http://schemas.openxmlformats.org/drawingml/2006/main" xmlns:r="http://schemas.openxmlformats.org/officeDocument/2006/relationships" xmlns:p="http://schemas.openxmlformats.org/presentationml/2006/main">
   <p:cSld>
     <p:spTree>
@@ -11531,7 +13677,7 @@
 </p:sld>
 </file>
 
-<file path=ppt/slides/slide3.xml><?xml version="1.0" encoding="utf-8"?>
+<file path=ppt/slides/slide34.xml><?xml version="1.0" encoding="utf-8"?>
 <p:sld xmlns:a="http://schemas.openxmlformats.org/drawingml/2006/main" xmlns:r="http://schemas.openxmlformats.org/officeDocument/2006/relationships" xmlns:p="http://schemas.openxmlformats.org/presentationml/2006/main">
   <p:cSld>
     <p:spTree>
@@ -11550,132 +13696,6 @@
       </p:grpSpPr>
       <p:sp>
         <p:nvSpPr>
-          <p:cNvPr id="2" name="1 Título"/>
-          <p:cNvSpPr>
-            <a:spLocks noGrp="1"/>
-          </p:cNvSpPr>
-          <p:nvPr>
-            <p:ph type="title"/>
-          </p:nvPr>
-        </p:nvSpPr>
-        <p:spPr/>
-        <p:txBody>
-          <a:bodyPr/>
-          <a:lstStyle/>
-          <a:p>
-            <a:r>
-              <a:rPr lang="es-ES_tradnl" dirty="0"/>
-              <a:t>Aspectos fundamentales</a:t>
-            </a:r>
-            <a:endParaRPr lang="en-US" dirty="0"/>
-          </a:p>
-        </p:txBody>
-      </p:sp>
-      <p:sp>
-        <p:nvSpPr>
-          <p:cNvPr id="3" name="2 Marcador de contenido"/>
-          <p:cNvSpPr>
-            <a:spLocks noGrp="1"/>
-          </p:cNvSpPr>
-          <p:nvPr>
-            <p:ph idx="1"/>
-          </p:nvPr>
-        </p:nvSpPr>
-        <p:spPr>
-          <a:xfrm>
-            <a:off x="6665911" y="1781161"/>
-            <a:ext cx="4906329" cy="5129425"/>
-          </a:xfrm>
-        </p:spPr>
-        <p:txBody>
-          <a:bodyPr>
-            <a:normAutofit/>
-          </a:bodyPr>
-          <a:lstStyle/>
-          <a:p>
-            <a:r>
-              <a:rPr lang="es-ES_tradnl" dirty="0"/>
-              <a:t>Forma de representar los números (binario)</a:t>
-            </a:r>
-          </a:p>
-          <a:p>
-            <a:r>
-              <a:rPr lang="es-ES_tradnl" dirty="0"/>
-              <a:t>Algoritmos para realizar las operaciones aritméticas básicas</a:t>
-            </a:r>
-          </a:p>
-          <a:p>
-            <a:r>
-              <a:rPr lang="es-ES_tradnl" dirty="0"/>
-              <a:t>IEEE 574 para representación de números y aritmética en coma flotante, en 32 bit y 64bit</a:t>
-            </a:r>
-          </a:p>
-          <a:p>
-            <a:pPr>
-              <a:buNone/>
-            </a:pPr>
-            <a:endParaRPr lang="en-US" dirty="0"/>
-          </a:p>
-        </p:txBody>
-      </p:sp>
-      <p:pic>
-        <p:nvPicPr>
-          <p:cNvPr id="32770" name="Picture 2" descr="binario2(3)"/>
-          <p:cNvPicPr>
-            <a:picLocks noChangeAspect="1" noChangeArrowheads="1"/>
-          </p:cNvPicPr>
-          <p:nvPr/>
-        </p:nvPicPr>
-        <p:blipFill>
-          <a:blip r:embed="rId2" cstate="print"/>
-          <a:srcRect/>
-          <a:stretch>
-            <a:fillRect/>
-          </a:stretch>
-        </p:blipFill>
-        <p:spPr bwMode="auto">
-          <a:xfrm>
-            <a:off x="2293905" y="2266939"/>
-            <a:ext cx="4187680" cy="3481412"/>
-          </a:xfrm>
-          <a:prstGeom prst="rect">
-            <a:avLst/>
-          </a:prstGeom>
-          <a:noFill/>
-        </p:spPr>
-      </p:pic>
-    </p:spTree>
-    <p:extLst>
-      <p:ext uri="{BB962C8B-B14F-4D97-AF65-F5344CB8AC3E}">
-        <p14:creationId xmlns:p14="http://schemas.microsoft.com/office/powerpoint/2010/main" val="2388122018"/>
-      </p:ext>
-    </p:extLst>
-  </p:cSld>
-  <p:clrMapOvr>
-    <a:masterClrMapping/>
-  </p:clrMapOvr>
-</p:sld>
-</file>
-
-<file path=ppt/slides/slide30.xml><?xml version="1.0" encoding="utf-8"?>
-<p:sld xmlns:a="http://schemas.openxmlformats.org/drawingml/2006/main" xmlns:r="http://schemas.openxmlformats.org/officeDocument/2006/relationships" xmlns:p="http://schemas.openxmlformats.org/presentationml/2006/main">
-  <p:cSld>
-    <p:spTree>
-      <p:nvGrpSpPr>
-        <p:cNvPr id="1" name=""/>
-        <p:cNvGrpSpPr/>
-        <p:nvPr/>
-      </p:nvGrpSpPr>
-      <p:grpSpPr>
-        <a:xfrm>
-          <a:off x="0" y="0"/>
-          <a:ext cx="0" cy="0"/>
-          <a:chOff x="0" y="0"/>
-          <a:chExt cx="0" cy="0"/>
-        </a:xfrm>
-      </p:grpSpPr>
-      <p:sp>
-        <p:nvSpPr>
           <p:cNvPr id="2" name="Título 1"/>
           <p:cNvSpPr>
             <a:spLocks noGrp="1"/>
@@ -11817,7 +13837,7 @@
 </p:sld>
 </file>
 
-<file path=ppt/slides/slide31.xml><?xml version="1.0" encoding="utf-8"?>
+<file path=ppt/slides/slide35.xml><?xml version="1.0" encoding="utf-8"?>
 <p:sld xmlns:a="http://schemas.openxmlformats.org/drawingml/2006/main" xmlns:r="http://schemas.openxmlformats.org/officeDocument/2006/relationships" xmlns:p="http://schemas.openxmlformats.org/presentationml/2006/main">
   <p:cSld>
     <p:spTree>

--- a/Slides/2_Representacion&Conversiones.pptx
+++ b/Slides/2_Representacion&Conversiones.pptx
@@ -162,6 +162,38 @@
 
 <file path=ppt/changesInfos/changesInfo1.xml><?xml version="1.0" encoding="utf-8"?>
 <pc:chgInfo xmlns:a="http://schemas.openxmlformats.org/drawingml/2006/main" xmlns:r="http://schemas.openxmlformats.org/officeDocument/2006/relationships" xmlns:ac="http://schemas.microsoft.com/office/drawing/2013/main/command" xmlns:pc="http://schemas.microsoft.com/office/powerpoint/2013/main/command">
+  <pc:docChgLst>
+    <pc:chgData name="Cesar Augusto Lopez Gallego" userId="0dfa9112-9251-4882-b472-cf2dfcee09d1" providerId="ADAL" clId="{FD08D8F4-0364-49BE-A562-102EC7EA20FF}"/>
+    <pc:docChg chg="custSel modSld">
+      <pc:chgData name="Cesar Augusto Lopez Gallego" userId="0dfa9112-9251-4882-b472-cf2dfcee09d1" providerId="ADAL" clId="{FD08D8F4-0364-49BE-A562-102EC7EA20FF}" dt="2026-01-16T14:14:06.324" v="53" actId="27636"/>
+      <pc:docMkLst>
+        <pc:docMk/>
+      </pc:docMkLst>
+      <pc:sldChg chg="modSp mod">
+        <pc:chgData name="Cesar Augusto Lopez Gallego" userId="0dfa9112-9251-4882-b472-cf2dfcee09d1" providerId="ADAL" clId="{FD08D8F4-0364-49BE-A562-102EC7EA20FF}" dt="2026-01-16T14:14:06.324" v="53" actId="27636"/>
+        <pc:sldMkLst>
+          <pc:docMk/>
+          <pc:sldMk cId="2729201168" sldId="345"/>
+        </pc:sldMkLst>
+        <pc:spChg chg="mod">
+          <ac:chgData name="Cesar Augusto Lopez Gallego" userId="0dfa9112-9251-4882-b472-cf2dfcee09d1" providerId="ADAL" clId="{FD08D8F4-0364-49BE-A562-102EC7EA20FF}" dt="2026-01-16T14:14:06.324" v="53" actId="27636"/>
+          <ac:spMkLst>
+            <pc:docMk/>
+            <pc:sldMk cId="2729201168" sldId="345"/>
+            <ac:spMk id="5" creationId="{00000000-0000-0000-0000-000000000000}"/>
+          </ac:spMkLst>
+        </pc:spChg>
+        <pc:spChg chg="mod">
+          <ac:chgData name="Cesar Augusto Lopez Gallego" userId="0dfa9112-9251-4882-b472-cf2dfcee09d1" providerId="ADAL" clId="{FD08D8F4-0364-49BE-A562-102EC7EA20FF}" dt="2026-01-16T14:13:07.694" v="0" actId="20577"/>
+          <ac:spMkLst>
+            <pc:docMk/>
+            <pc:sldMk cId="2729201168" sldId="345"/>
+            <ac:spMk id="6" creationId="{00000000-0000-0000-0000-000000000000}"/>
+          </ac:spMkLst>
+        </pc:spChg>
+      </pc:sldChg>
+    </pc:docChg>
+  </pc:docChgLst>
   <pc:docChgLst>
     <pc:chgData name="Cesar Augusto Lopez Gallego" userId="0dfa9112-9251-4882-b472-cf2dfcee09d1" providerId="ADAL" clId="{74C739C4-1830-4E7C-BE2C-C2F25CB419B0}"/>
     <pc:docChg chg="undo custSel addSld modSld">
@@ -444,7 +476,7 @@
           <a:p>
             <a:fld id="{BDCF4082-7146-476A-B590-4447682ABE83}" type="datetimeFigureOut">
               <a:rPr lang="es-CO" smtClean="0"/>
-              <a:t>19/07/2025</a:t>
+              <a:t>16/01/2026</a:t>
             </a:fld>
             <a:endParaRPr lang="es-CO"/>
           </a:p>
@@ -1717,7 +1749,7 @@
           <a:p>
             <a:fld id="{6B86245D-015E-46AE-96CC-32E8A5E9A1DF}" type="datetimeFigureOut">
               <a:rPr lang="es-CO" smtClean="0"/>
-              <a:t>19/07/2025</a:t>
+              <a:t>16/01/2026</a:t>
             </a:fld>
             <a:endParaRPr lang="es-CO"/>
           </a:p>
@@ -1887,7 +1919,7 @@
           <a:p>
             <a:fld id="{6B86245D-015E-46AE-96CC-32E8A5E9A1DF}" type="datetimeFigureOut">
               <a:rPr lang="es-CO" smtClean="0"/>
-              <a:t>19/07/2025</a:t>
+              <a:t>16/01/2026</a:t>
             </a:fld>
             <a:endParaRPr lang="es-CO"/>
           </a:p>
@@ -2067,7 +2099,7 @@
           <a:p>
             <a:fld id="{6B86245D-015E-46AE-96CC-32E8A5E9A1DF}" type="datetimeFigureOut">
               <a:rPr lang="es-CO" smtClean="0"/>
-              <a:t>19/07/2025</a:t>
+              <a:t>16/01/2026</a:t>
             </a:fld>
             <a:endParaRPr lang="es-CO"/>
           </a:p>
@@ -2237,7 +2269,7 @@
           <a:p>
             <a:fld id="{6B86245D-015E-46AE-96CC-32E8A5E9A1DF}" type="datetimeFigureOut">
               <a:rPr lang="es-CO" smtClean="0"/>
-              <a:t>19/07/2025</a:t>
+              <a:t>16/01/2026</a:t>
             </a:fld>
             <a:endParaRPr lang="es-CO"/>
           </a:p>
@@ -2483,7 +2515,7 @@
           <a:p>
             <a:fld id="{6B86245D-015E-46AE-96CC-32E8A5E9A1DF}" type="datetimeFigureOut">
               <a:rPr lang="es-CO" smtClean="0"/>
-              <a:t>19/07/2025</a:t>
+              <a:t>16/01/2026</a:t>
             </a:fld>
             <a:endParaRPr lang="es-CO"/>
           </a:p>
@@ -2715,7 +2747,7 @@
           <a:p>
             <a:fld id="{6B86245D-015E-46AE-96CC-32E8A5E9A1DF}" type="datetimeFigureOut">
               <a:rPr lang="es-CO" smtClean="0"/>
-              <a:t>19/07/2025</a:t>
+              <a:t>16/01/2026</a:t>
             </a:fld>
             <a:endParaRPr lang="es-CO"/>
           </a:p>
@@ -3082,7 +3114,7 @@
           <a:p>
             <a:fld id="{6B86245D-015E-46AE-96CC-32E8A5E9A1DF}" type="datetimeFigureOut">
               <a:rPr lang="es-CO" smtClean="0"/>
-              <a:t>19/07/2025</a:t>
+              <a:t>16/01/2026</a:t>
             </a:fld>
             <a:endParaRPr lang="es-CO"/>
           </a:p>
@@ -3200,7 +3232,7 @@
           <a:p>
             <a:fld id="{6B86245D-015E-46AE-96CC-32E8A5E9A1DF}" type="datetimeFigureOut">
               <a:rPr lang="es-CO" smtClean="0"/>
-              <a:t>19/07/2025</a:t>
+              <a:t>16/01/2026</a:t>
             </a:fld>
             <a:endParaRPr lang="es-CO"/>
           </a:p>
@@ -3295,7 +3327,7 @@
           <a:p>
             <a:fld id="{6B86245D-015E-46AE-96CC-32E8A5E9A1DF}" type="datetimeFigureOut">
               <a:rPr lang="es-CO" smtClean="0"/>
-              <a:t>19/07/2025</a:t>
+              <a:t>16/01/2026</a:t>
             </a:fld>
             <a:endParaRPr lang="es-CO"/>
           </a:p>
@@ -3572,7 +3604,7 @@
           <a:p>
             <a:fld id="{6B86245D-015E-46AE-96CC-32E8A5E9A1DF}" type="datetimeFigureOut">
               <a:rPr lang="es-CO" smtClean="0"/>
-              <a:t>19/07/2025</a:t>
+              <a:t>16/01/2026</a:t>
             </a:fld>
             <a:endParaRPr lang="es-CO"/>
           </a:p>
@@ -3829,7 +3861,7 @@
           <a:p>
             <a:fld id="{6B86245D-015E-46AE-96CC-32E8A5E9A1DF}" type="datetimeFigureOut">
               <a:rPr lang="es-CO" smtClean="0"/>
-              <a:t>19/07/2025</a:t>
+              <a:t>16/01/2026</a:t>
             </a:fld>
             <a:endParaRPr lang="es-CO"/>
           </a:p>
@@ -4051,7 +4083,7 @@
           <a:p>
             <a:fld id="{6B86245D-015E-46AE-96CC-32E8A5E9A1DF}" type="datetimeFigureOut">
               <a:rPr lang="es-CO" smtClean="0"/>
-              <a:t>19/07/2025</a:t>
+              <a:t>16/01/2026</a:t>
             </a:fld>
             <a:endParaRPr lang="es-CO"/>
           </a:p>
@@ -9235,7 +9267,7 @@
         </p:spPr>
         <p:txBody>
           <a:bodyPr vert="horz" lIns="91440" tIns="45720" rIns="91440" bIns="45720" rtlCol="0" anchor="ctr">
-            <a:normAutofit fontScale="70000" lnSpcReduction="20000"/>
+            <a:normAutofit fontScale="85000" lnSpcReduction="10000"/>
           </a:bodyPr>
           <a:lstStyle>
             <a:lvl1pPr algn="l" defTabSz="1036290" rtl="0" eaLnBrk="1" latinLnBrk="0" hangingPunct="1">
@@ -9260,7 +9292,7 @@
             <a:pPr algn="r"/>
             <a:r>
               <a:rPr lang="es-CO" dirty="0"/>
-              <a:t>Introducción a la ingeniería de sistemas e informática</a:t>
+              <a:t>Fundamentos de Programación</a:t>
             </a:r>
           </a:p>
           <a:p>
@@ -9284,8 +9316,8 @@
         </p:nvSpPr>
         <p:spPr>
           <a:xfrm>
-            <a:off x="8655486" y="5812077"/>
-            <a:ext cx="2885085" cy="646331"/>
+            <a:off x="8655487" y="5812077"/>
+            <a:ext cx="2885084" cy="369332"/>
           </a:xfrm>
           <a:prstGeom prst="rect">
             <a:avLst/>
@@ -9302,13 +9334,6 @@
             <a:r>
               <a:rPr lang="es-CO" dirty="0"/>
               <a:t>César Augusto López Gallego</a:t>
-            </a:r>
-          </a:p>
-          <a:p>
-            <a:pPr algn="r"/>
-            <a:r>
-              <a:rPr lang="es-CO" dirty="0"/>
-              <a:t>2018</a:t>
             </a:r>
           </a:p>
         </p:txBody>

--- a/Slides/2_Representacion&Conversiones.pptx
+++ b/Slides/2_Representacion&Conversiones.pptx
@@ -165,7 +165,7 @@
   <pc:docChgLst>
     <pc:chgData name="Cesar Augusto Lopez Gallego" userId="0dfa9112-9251-4882-b472-cf2dfcee09d1" providerId="ADAL" clId="{FD08D8F4-0364-49BE-A562-102EC7EA20FF}"/>
     <pc:docChg chg="custSel modSld">
-      <pc:chgData name="Cesar Augusto Lopez Gallego" userId="0dfa9112-9251-4882-b472-cf2dfcee09d1" providerId="ADAL" clId="{FD08D8F4-0364-49BE-A562-102EC7EA20FF}" dt="2026-01-16T14:14:06.324" v="53" actId="27636"/>
+      <pc:chgData name="Cesar Augusto Lopez Gallego" userId="0dfa9112-9251-4882-b472-cf2dfcee09d1" providerId="ADAL" clId="{FD08D8F4-0364-49BE-A562-102EC7EA20FF}" dt="2026-01-27T12:45:03.419" v="62" actId="113"/>
       <pc:docMkLst>
         <pc:docMk/>
       </pc:docMkLst>
@@ -189,6 +189,36 @@
             <pc:docMk/>
             <pc:sldMk cId="2729201168" sldId="345"/>
             <ac:spMk id="6" creationId="{00000000-0000-0000-0000-000000000000}"/>
+          </ac:spMkLst>
+        </pc:spChg>
+      </pc:sldChg>
+      <pc:sldChg chg="modSp mod">
+        <pc:chgData name="Cesar Augusto Lopez Gallego" userId="0dfa9112-9251-4882-b472-cf2dfcee09d1" providerId="ADAL" clId="{FD08D8F4-0364-49BE-A562-102EC7EA20FF}" dt="2026-01-27T12:45:03.419" v="62" actId="113"/>
+        <pc:sldMkLst>
+          <pc:docMk/>
+          <pc:sldMk cId="290062591" sldId="443"/>
+        </pc:sldMkLst>
+        <pc:spChg chg="mod">
+          <ac:chgData name="Cesar Augusto Lopez Gallego" userId="0dfa9112-9251-4882-b472-cf2dfcee09d1" providerId="ADAL" clId="{FD08D8F4-0364-49BE-A562-102EC7EA20FF}" dt="2026-01-27T12:45:03.419" v="62" actId="113"/>
+          <ac:spMkLst>
+            <pc:docMk/>
+            <pc:sldMk cId="290062591" sldId="443"/>
+            <ac:spMk id="3" creationId="{00000000-0000-0000-0000-000000000000}"/>
+          </ac:spMkLst>
+        </pc:spChg>
+      </pc:sldChg>
+      <pc:sldChg chg="modSp mod">
+        <pc:chgData name="Cesar Augusto Lopez Gallego" userId="0dfa9112-9251-4882-b472-cf2dfcee09d1" providerId="ADAL" clId="{FD08D8F4-0364-49BE-A562-102EC7EA20FF}" dt="2026-01-27T12:44:07.814" v="60" actId="14100"/>
+        <pc:sldMkLst>
+          <pc:docMk/>
+          <pc:sldMk cId="1496360105" sldId="458"/>
+        </pc:sldMkLst>
+        <pc:spChg chg="mod">
+          <ac:chgData name="Cesar Augusto Lopez Gallego" userId="0dfa9112-9251-4882-b472-cf2dfcee09d1" providerId="ADAL" clId="{FD08D8F4-0364-49BE-A562-102EC7EA20FF}" dt="2026-01-27T12:44:07.814" v="60" actId="14100"/>
+          <ac:spMkLst>
+            <pc:docMk/>
+            <pc:sldMk cId="1496360105" sldId="458"/>
+            <ac:spMk id="5" creationId="{38B4559C-396A-4796-B173-8D1857A7FDEC}"/>
           </ac:spMkLst>
         </pc:spChg>
       </pc:sldChg>
@@ -476,7 +506,7 @@
           <a:p>
             <a:fld id="{BDCF4082-7146-476A-B590-4447682ABE83}" type="datetimeFigureOut">
               <a:rPr lang="es-CO" smtClean="0"/>
-              <a:t>16/01/2026</a:t>
+              <a:t>27/01/2026</a:t>
             </a:fld>
             <a:endParaRPr lang="es-CO"/>
           </a:p>
@@ -1749,7 +1779,7 @@
           <a:p>
             <a:fld id="{6B86245D-015E-46AE-96CC-32E8A5E9A1DF}" type="datetimeFigureOut">
               <a:rPr lang="es-CO" smtClean="0"/>
-              <a:t>16/01/2026</a:t>
+              <a:t>27/01/2026</a:t>
             </a:fld>
             <a:endParaRPr lang="es-CO"/>
           </a:p>
@@ -1919,7 +1949,7 @@
           <a:p>
             <a:fld id="{6B86245D-015E-46AE-96CC-32E8A5E9A1DF}" type="datetimeFigureOut">
               <a:rPr lang="es-CO" smtClean="0"/>
-              <a:t>16/01/2026</a:t>
+              <a:t>27/01/2026</a:t>
             </a:fld>
             <a:endParaRPr lang="es-CO"/>
           </a:p>
@@ -2099,7 +2129,7 @@
           <a:p>
             <a:fld id="{6B86245D-015E-46AE-96CC-32E8A5E9A1DF}" type="datetimeFigureOut">
               <a:rPr lang="es-CO" smtClean="0"/>
-              <a:t>16/01/2026</a:t>
+              <a:t>27/01/2026</a:t>
             </a:fld>
             <a:endParaRPr lang="es-CO"/>
           </a:p>
@@ -2269,7 +2299,7 @@
           <a:p>
             <a:fld id="{6B86245D-015E-46AE-96CC-32E8A5E9A1DF}" type="datetimeFigureOut">
               <a:rPr lang="es-CO" smtClean="0"/>
-              <a:t>16/01/2026</a:t>
+              <a:t>27/01/2026</a:t>
             </a:fld>
             <a:endParaRPr lang="es-CO"/>
           </a:p>
@@ -2515,7 +2545,7 @@
           <a:p>
             <a:fld id="{6B86245D-015E-46AE-96CC-32E8A5E9A1DF}" type="datetimeFigureOut">
               <a:rPr lang="es-CO" smtClean="0"/>
-              <a:t>16/01/2026</a:t>
+              <a:t>27/01/2026</a:t>
             </a:fld>
             <a:endParaRPr lang="es-CO"/>
           </a:p>
@@ -2747,7 +2777,7 @@
           <a:p>
             <a:fld id="{6B86245D-015E-46AE-96CC-32E8A5E9A1DF}" type="datetimeFigureOut">
               <a:rPr lang="es-CO" smtClean="0"/>
-              <a:t>16/01/2026</a:t>
+              <a:t>27/01/2026</a:t>
             </a:fld>
             <a:endParaRPr lang="es-CO"/>
           </a:p>
@@ -3114,7 +3144,7 @@
           <a:p>
             <a:fld id="{6B86245D-015E-46AE-96CC-32E8A5E9A1DF}" type="datetimeFigureOut">
               <a:rPr lang="es-CO" smtClean="0"/>
-              <a:t>16/01/2026</a:t>
+              <a:t>27/01/2026</a:t>
             </a:fld>
             <a:endParaRPr lang="es-CO"/>
           </a:p>
@@ -3232,7 +3262,7 @@
           <a:p>
             <a:fld id="{6B86245D-015E-46AE-96CC-32E8A5E9A1DF}" type="datetimeFigureOut">
               <a:rPr lang="es-CO" smtClean="0"/>
-              <a:t>16/01/2026</a:t>
+              <a:t>27/01/2026</a:t>
             </a:fld>
             <a:endParaRPr lang="es-CO"/>
           </a:p>
@@ -3327,7 +3357,7 @@
           <a:p>
             <a:fld id="{6B86245D-015E-46AE-96CC-32E8A5E9A1DF}" type="datetimeFigureOut">
               <a:rPr lang="es-CO" smtClean="0"/>
-              <a:t>16/01/2026</a:t>
+              <a:t>27/01/2026</a:t>
             </a:fld>
             <a:endParaRPr lang="es-CO"/>
           </a:p>
@@ -3604,7 +3634,7 @@
           <a:p>
             <a:fld id="{6B86245D-015E-46AE-96CC-32E8A5E9A1DF}" type="datetimeFigureOut">
               <a:rPr lang="es-CO" smtClean="0"/>
-              <a:t>16/01/2026</a:t>
+              <a:t>27/01/2026</a:t>
             </a:fld>
             <a:endParaRPr lang="es-CO"/>
           </a:p>
@@ -3861,7 +3891,7 @@
           <a:p>
             <a:fld id="{6B86245D-015E-46AE-96CC-32E8A5E9A1DF}" type="datetimeFigureOut">
               <a:rPr lang="es-CO" smtClean="0"/>
-              <a:t>16/01/2026</a:t>
+              <a:t>27/01/2026</a:t>
             </a:fld>
             <a:endParaRPr lang="es-CO"/>
           </a:p>
@@ -4083,7 +4113,7 @@
           <a:p>
             <a:fld id="{6B86245D-015E-46AE-96CC-32E8A5E9A1DF}" type="datetimeFigureOut">
               <a:rPr lang="es-CO" smtClean="0"/>
-              <a:t>16/01/2026</a:t>
+              <a:t>27/01/2026</a:t>
             </a:fld>
             <a:endParaRPr lang="es-CO"/>
           </a:p>
@@ -8957,7 +8987,7 @@
         <p:spPr>
           <a:xfrm>
             <a:off x="949960" y="2913993"/>
-            <a:ext cx="11917680" cy="3093267"/>
+            <a:ext cx="11917680" cy="3209015"/>
           </a:xfrm>
           <a:prstGeom prst="rect">
             <a:avLst/>
@@ -9192,7 +9222,7 @@
           <a:p>
             <a:r>
               <a:rPr lang="es-419" sz="2800" dirty="0"/>
-              <a:t>Paso 3: Convierte la parte flotante -&gt; 0 + 0.25 + 0.125 = 0.375</a:t>
+              <a:t>Paso 3: Convierte la parte flotante -&gt; 0.5 + 0.25 + 0.125 = 0.875</a:t>
             </a:r>
           </a:p>
           <a:p>
@@ -9212,7 +9242,7 @@
             </a:r>
             <a:r>
               <a:rPr lang="es-ES" sz="2800" dirty="0"/>
-              <a:t>5 (entera) + 0.375 (flotante) = 5.375₁₀</a:t>
+              <a:t>5 (entera) + 0.875 (flotante) = 5.875₁₀</a:t>
             </a:r>
             <a:endParaRPr lang="es-419" sz="2800" dirty="0"/>
           </a:p>
@@ -10850,7 +10880,11 @@
           <a:p>
             <a:pPr lvl="1"/>
             <a:r>
-              <a:rPr lang="es-ES_tradnl" dirty="0"/>
+              <a:rPr lang="es-ES_tradnl" b="1" dirty="0">
+                <a:solidFill>
+                  <a:srgbClr val="FF0000"/>
+                </a:solidFill>
+              </a:rPr>
               <a:t>Hay dos representaciones del número cero</a:t>
             </a:r>
           </a:p>
